--- a/FINAL REVIEW.pptx
+++ b/FINAL REVIEW.pptx
@@ -5,7 +5,7 @@
     <p:sldMasterId id="2147483765" r:id="rId1"/>
   </p:sldMasterIdLst>
   <p:notesMasterIdLst>
-    <p:notesMasterId r:id="rId25"/>
+    <p:notesMasterId r:id="rId26"/>
   </p:notesMasterIdLst>
   <p:sldIdLst>
     <p:sldId id="257" r:id="rId2"/>
@@ -13,24 +13,25 @@
     <p:sldId id="303" r:id="rId4"/>
     <p:sldId id="310" r:id="rId5"/>
     <p:sldId id="305" r:id="rId6"/>
-    <p:sldId id="312" r:id="rId7"/>
-    <p:sldId id="313" r:id="rId8"/>
-    <p:sldId id="314" r:id="rId9"/>
-    <p:sldId id="326" r:id="rId10"/>
-    <p:sldId id="327" r:id="rId11"/>
-    <p:sldId id="328" r:id="rId12"/>
-    <p:sldId id="317" r:id="rId13"/>
-    <p:sldId id="329" r:id="rId14"/>
-    <p:sldId id="324" r:id="rId15"/>
-    <p:sldId id="325" r:id="rId16"/>
-    <p:sldId id="323" r:id="rId17"/>
-    <p:sldId id="322" r:id="rId18"/>
-    <p:sldId id="321" r:id="rId19"/>
-    <p:sldId id="320" r:id="rId20"/>
-    <p:sldId id="319" r:id="rId21"/>
-    <p:sldId id="330" r:id="rId22"/>
-    <p:sldId id="331" r:id="rId23"/>
-    <p:sldId id="295" r:id="rId24"/>
+    <p:sldId id="332" r:id="rId7"/>
+    <p:sldId id="312" r:id="rId8"/>
+    <p:sldId id="313" r:id="rId9"/>
+    <p:sldId id="314" r:id="rId10"/>
+    <p:sldId id="326" r:id="rId11"/>
+    <p:sldId id="327" r:id="rId12"/>
+    <p:sldId id="328" r:id="rId13"/>
+    <p:sldId id="317" r:id="rId14"/>
+    <p:sldId id="329" r:id="rId15"/>
+    <p:sldId id="324" r:id="rId16"/>
+    <p:sldId id="325" r:id="rId17"/>
+    <p:sldId id="323" r:id="rId18"/>
+    <p:sldId id="322" r:id="rId19"/>
+    <p:sldId id="321" r:id="rId20"/>
+    <p:sldId id="320" r:id="rId21"/>
+    <p:sldId id="319" r:id="rId22"/>
+    <p:sldId id="330" r:id="rId23"/>
+    <p:sldId id="331" r:id="rId24"/>
+    <p:sldId id="295" r:id="rId25"/>
   </p:sldIdLst>
   <p:sldSz cx="9144000" cy="6858000" type="screen4x3"/>
   <p:notesSz cx="6858000" cy="9144000"/>
@@ -299,7 +300,7 @@
               <a:pPr>
                 <a:defRPr/>
               </a:pPr>
-              <a:t>4/29/2020</a:t>
+              <a:t>2/4/2021</a:t>
             </a:fld>
             <a:endParaRPr lang="en-IN" dirty="0"/>
           </a:p>
@@ -984,7 +985,7 @@
               <a:pPr>
                 <a:defRPr/>
               </a:pPr>
-              <a:t>4/29/2020</a:t>
+              <a:t>2/4/2021</a:t>
             </a:fld>
             <a:endParaRPr lang="en-US" dirty="0"/>
           </a:p>
@@ -1193,7 +1194,7 @@
               <a:pPr>
                 <a:defRPr/>
               </a:pPr>
-              <a:t>4/29/2020</a:t>
+              <a:t>2/4/2021</a:t>
             </a:fld>
             <a:endParaRPr lang="en-US" dirty="0"/>
           </a:p>
@@ -1411,7 +1412,7 @@
               <a:pPr>
                 <a:defRPr/>
               </a:pPr>
-              <a:t>4/29/2020</a:t>
+              <a:t>2/4/2021</a:t>
             </a:fld>
             <a:endParaRPr lang="en-US" dirty="0"/>
           </a:p>
@@ -1602,7 +1603,7 @@
               <a:pPr>
                 <a:defRPr/>
               </a:pPr>
-              <a:t>4/29/2020</a:t>
+              <a:t>2/4/2021</a:t>
             </a:fld>
             <a:endParaRPr lang="en-US" dirty="0"/>
           </a:p>
@@ -1932,7 +1933,7 @@
               <a:pPr>
                 <a:defRPr/>
               </a:pPr>
-              <a:t>4/29/2020</a:t>
+              <a:t>2/4/2021</a:t>
             </a:fld>
             <a:endParaRPr lang="en-US" dirty="0"/>
           </a:p>
@@ -2179,7 +2180,7 @@
               <a:pPr>
                 <a:defRPr/>
               </a:pPr>
-              <a:t>4/29/2020</a:t>
+              <a:t>2/4/2021</a:t>
             </a:fld>
             <a:endParaRPr lang="en-US" dirty="0"/>
           </a:p>
@@ -2417,7 +2418,7 @@
               <a:pPr>
                 <a:defRPr/>
               </a:pPr>
-              <a:t>4/29/2020</a:t>
+              <a:t>2/4/2021</a:t>
             </a:fld>
             <a:endParaRPr lang="en-US" dirty="0"/>
           </a:p>
@@ -2644,7 +2645,7 @@
               <a:pPr>
                 <a:defRPr/>
               </a:pPr>
-              <a:t>4/29/2020</a:t>
+              <a:t>2/4/2021</a:t>
             </a:fld>
             <a:endParaRPr lang="en-US" dirty="0"/>
           </a:p>
@@ -2969,7 +2970,7 @@
               <a:pPr>
                 <a:defRPr/>
               </a:pPr>
-              <a:t>4/29/2020</a:t>
+              <a:t>2/4/2021</a:t>
             </a:fld>
             <a:endParaRPr lang="en-US" dirty="0"/>
           </a:p>
@@ -3433,7 +3434,7 @@
               <a:pPr>
                 <a:defRPr/>
               </a:pPr>
-              <a:t>4/29/2020</a:t>
+              <a:t>2/4/2021</a:t>
             </a:fld>
             <a:endParaRPr lang="en-US" dirty="0"/>
           </a:p>
@@ -3588,7 +3589,7 @@
               <a:pPr>
                 <a:defRPr/>
               </a:pPr>
-              <a:t>4/29/2020</a:t>
+              <a:t>2/4/2021</a:t>
             </a:fld>
             <a:endParaRPr lang="en-US" dirty="0"/>
           </a:p>
@@ -3749,7 +3750,7 @@
               <a:pPr>
                 <a:defRPr/>
               </a:pPr>
-              <a:t>4/29/2020</a:t>
+              <a:t>2/4/2021</a:t>
             </a:fld>
             <a:endParaRPr lang="en-US" dirty="0"/>
           </a:p>
@@ -4060,7 +4061,7 @@
               <a:pPr>
                 <a:defRPr/>
               </a:pPr>
-              <a:t>4/29/2020</a:t>
+              <a:t>2/4/2021</a:t>
             </a:fld>
             <a:endParaRPr lang="en-US" dirty="0"/>
           </a:p>
@@ -4357,7 +4358,7 @@
               <a:pPr>
                 <a:defRPr/>
               </a:pPr>
-              <a:t>4/29/2020</a:t>
+              <a:t>2/4/2021</a:t>
             </a:fld>
             <a:endParaRPr lang="en-US" dirty="0"/>
           </a:p>
@@ -4640,7 +4641,7 @@
               <a:pPr>
                 <a:defRPr/>
               </a:pPr>
-              <a:t>4/29/2020</a:t>
+              <a:t>2/4/2021</a:t>
             </a:fld>
             <a:endParaRPr lang="en-US" dirty="0"/>
           </a:p>
@@ -5368,11 +5369,11 @@
           <a:p>
             <a:pPr algn="ctr"/>
             <a:r>
-              <a:rPr lang="en-US" sz="5400">
+              <a:rPr lang="en-US" sz="5400" dirty="0">
                 <a:latin typeface="Times New Roman" pitchFamily="18" charset="0"/>
                 <a:cs typeface="Times New Roman" pitchFamily="18" charset="0"/>
               </a:rPr>
-              <a:t>TRAVEL PLANNER</a:t>
+              <a:t>TRIP PLANNER</a:t>
             </a:r>
             <a:endParaRPr lang="en-IN" dirty="0">
               <a:effectLst>
@@ -5599,8 +5600,8 @@
         </p:nvSpPr>
         <p:spPr>
           <a:xfrm>
-            <a:off x="2971800" y="3429000"/>
-            <a:ext cx="5181600" cy="369332"/>
+            <a:off x="2590800" y="3429000"/>
+            <a:ext cx="5562600" cy="369332"/>
           </a:xfrm>
           <a:prstGeom prst="rect">
             <a:avLst/>
@@ -5614,12 +5615,18 @@
           <a:lstStyle/>
           <a:p>
             <a:r>
-              <a:rPr lang="en-IN" dirty="0">
-                <a:hlinkClick r:id="rId4"/>
+              <a:rPr lang="en-IN">
+                <a:solidFill>
+                  <a:srgbClr val="FFC000"/>
+                </a:solidFill>
               </a:rPr>
-              <a:t>https://github.com/pavaniboya/TRAVEL-DAIRIES</a:t>
-            </a:r>
-            <a:endParaRPr lang="en-IN" dirty="0"/>
+              <a:t>https://github.com/pavaniboya/Trip-Planner-B03</a:t>
+            </a:r>
+            <a:endParaRPr lang="en-IN" dirty="0">
+              <a:solidFill>
+                <a:srgbClr val="FFC000"/>
+              </a:solidFill>
+            </a:endParaRPr>
           </a:p>
         </p:txBody>
       </p:sp>
@@ -5665,7 +5672,7 @@
           <p:cNvPr id="2" name="Title 1">
             <a:extLst>
               <a:ext uri="{FF2B5EF4-FFF2-40B4-BE49-F238E27FC236}">
-                <a16:creationId xmlns:a16="http://schemas.microsoft.com/office/drawing/2014/main" id="{55321062-EA24-4361-A5AB-CB9EE74D96DE}"/>
+                <a16:creationId xmlns:a16="http://schemas.microsoft.com/office/drawing/2014/main" id="{7897BE02-8457-4981-AD3E-16400270A7A8}"/>
               </a:ext>
             </a:extLst>
           </p:cNvPr>
@@ -5691,9 +5698,8 @@
                 <a:latin typeface="Times New Roman" panose="02020603050405020304" pitchFamily="18" charset="0"/>
                 <a:cs typeface="Times New Roman" panose="02020603050405020304" pitchFamily="18" charset="0"/>
               </a:rPr>
-              <a:t>Signup page</a:t>
-            </a:r>
-            <a:endParaRPr lang="en-IN" sz="3600" b="1" dirty="0"/>
+              <a:t>Welcome Page </a:t>
+            </a:r>
           </a:p>
         </p:txBody>
       </p:sp>
@@ -5702,7 +5708,7 @@
           <p:cNvPr id="3" name="Content Placeholder 2">
             <a:extLst>
               <a:ext uri="{FF2B5EF4-FFF2-40B4-BE49-F238E27FC236}">
-                <a16:creationId xmlns:a16="http://schemas.microsoft.com/office/drawing/2014/main" id="{43B2AE7E-0026-4AA5-BA7B-95EBAD02BCE9}"/>
+                <a16:creationId xmlns:a16="http://schemas.microsoft.com/office/drawing/2014/main" id="{C762D785-F496-4438-9257-7C8126B2B817}"/>
               </a:ext>
             </a:extLst>
           </p:cNvPr>
@@ -5713,7 +5719,12 @@
             <p:ph idx="1"/>
           </p:nvPr>
         </p:nvSpPr>
-        <p:spPr/>
+        <p:spPr>
+          <a:xfrm>
+            <a:off x="457200" y="1268760"/>
+            <a:ext cx="8229600" cy="4862165"/>
+          </a:xfrm>
+        </p:spPr>
         <p:txBody>
           <a:bodyPr/>
           <a:lstStyle/>
@@ -5729,7 +5740,21 @@
                 <a:latin typeface="Times New Roman" panose="02020603050405020304" pitchFamily="18" charset="0"/>
                 <a:cs typeface="Times New Roman" panose="02020603050405020304" pitchFamily="18" charset="0"/>
               </a:rPr>
-              <a:t>Signup page for registration.</a:t>
+              <a:t>Welcome Page for </a:t>
+            </a:r>
+            <a:r>
+              <a:rPr lang="en-IN" sz="2400">
+                <a:latin typeface="Times New Roman" panose="02020603050405020304" pitchFamily="18" charset="0"/>
+                <a:cs typeface="Times New Roman" panose="02020603050405020304" pitchFamily="18" charset="0"/>
+              </a:rPr>
+              <a:t>Travel Planner </a:t>
+            </a:r>
+            <a:r>
+              <a:rPr lang="en-IN" sz="2400" dirty="0">
+                <a:latin typeface="Times New Roman" panose="02020603050405020304" pitchFamily="18" charset="0"/>
+                <a:cs typeface="Times New Roman" panose="02020603050405020304" pitchFamily="18" charset="0"/>
+              </a:rPr>
+              <a:t>application.</a:t>
             </a:r>
           </a:p>
           <a:p>
@@ -5748,80 +5773,44 @@
       </p:sp>
       <p:pic>
         <p:nvPicPr>
-          <p:cNvPr id="4" name="Picture 3">
+          <p:cNvPr id="6" name="Picture 5">
             <a:extLst>
               <a:ext uri="{FF2B5EF4-FFF2-40B4-BE49-F238E27FC236}">
-                <a16:creationId xmlns:a16="http://schemas.microsoft.com/office/drawing/2014/main" id="{42375C92-79BD-4B08-ABAD-8970AFB60986}"/>
+                <a16:creationId xmlns:a16="http://schemas.microsoft.com/office/drawing/2014/main" id="{C36AD396-E6F0-4C5F-B4C4-3B8B5272EC3B}"/>
               </a:ext>
             </a:extLst>
           </p:cNvPr>
-          <p:cNvPicPr/>
+          <p:cNvPicPr>
+            <a:picLocks noChangeAspect="1"/>
+          </p:cNvPicPr>
           <p:nvPr/>
         </p:nvPicPr>
         <p:blipFill>
-          <a:blip r:embed="rId2"/>
-          <a:srcRect/>
+          <a:blip r:embed="rId2">
+            <a:extLst>
+              <a:ext uri="{28A0092B-C50C-407E-A947-70E740481C1C}">
+                <a14:useLocalDpi xmlns:a14="http://schemas.microsoft.com/office/drawing/2010/main" val="0"/>
+              </a:ext>
+            </a:extLst>
+          </a:blip>
           <a:stretch>
             <a:fillRect/>
           </a:stretch>
         </p:blipFill>
-        <p:spPr bwMode="auto">
+        <p:spPr>
           <a:xfrm>
-            <a:off x="1979712" y="2276872"/>
-            <a:ext cx="2413000" cy="3441700"/>
+            <a:off x="2743200" y="2286000"/>
+            <a:ext cx="3248526" cy="3733800"/>
           </a:xfrm>
           <a:prstGeom prst="rect">
             <a:avLst/>
           </a:prstGeom>
-          <a:noFill/>
-          <a:ln w="9525">
-            <a:noFill/>
-            <a:miter lim="800000"/>
-            <a:headEnd/>
-            <a:tailEnd/>
-          </a:ln>
-        </p:spPr>
-      </p:pic>
-      <p:pic>
-        <p:nvPicPr>
-          <p:cNvPr id="5" name="Picture 4">
-            <a:extLst>
-              <a:ext uri="{FF2B5EF4-FFF2-40B4-BE49-F238E27FC236}">
-                <a16:creationId xmlns:a16="http://schemas.microsoft.com/office/drawing/2014/main" id="{15CCA526-C8E9-438D-8CA3-7282362EF70E}"/>
-              </a:ext>
-            </a:extLst>
-          </p:cNvPr>
-          <p:cNvPicPr/>
-          <p:nvPr/>
-        </p:nvPicPr>
-        <p:blipFill>
-          <a:blip r:embed="rId3"/>
-          <a:srcRect/>
-          <a:stretch>
-            <a:fillRect/>
-          </a:stretch>
-        </p:blipFill>
-        <p:spPr bwMode="auto">
-          <a:xfrm>
-            <a:off x="4560165" y="2317515"/>
-            <a:ext cx="2171700" cy="3378200"/>
-          </a:xfrm>
-          <a:prstGeom prst="rect">
-            <a:avLst/>
-          </a:prstGeom>
-          <a:noFill/>
-          <a:ln w="9525">
-            <a:noFill/>
-            <a:miter lim="800000"/>
-            <a:headEnd/>
-            <a:tailEnd/>
-          </a:ln>
         </p:spPr>
       </p:pic>
     </p:spTree>
     <p:extLst>
       <p:ext uri="{BB962C8B-B14F-4D97-AF65-F5344CB8AC3E}">
-        <p14:creationId xmlns:p14="http://schemas.microsoft.com/office/powerpoint/2010/main" val="1611861052"/>
+        <p14:creationId xmlns:p14="http://schemas.microsoft.com/office/powerpoint/2010/main" val="249590595"/>
       </p:ext>
     </p:extLst>
   </p:cSld>
@@ -5865,7 +5854,7 @@
           <p:cNvPr id="2" name="Title 1">
             <a:extLst>
               <a:ext uri="{FF2B5EF4-FFF2-40B4-BE49-F238E27FC236}">
-                <a16:creationId xmlns:a16="http://schemas.microsoft.com/office/drawing/2014/main" id="{ABDA38E6-9B92-4CA9-A0D6-51EA3EBA1045}"/>
+                <a16:creationId xmlns:a16="http://schemas.microsoft.com/office/drawing/2014/main" id="{55321062-EA24-4361-A5AB-CB9EE74D96DE}"/>
               </a:ext>
             </a:extLst>
           </p:cNvPr>
@@ -5891,8 +5880,9 @@
                 <a:latin typeface="Times New Roman" panose="02020603050405020304" pitchFamily="18" charset="0"/>
                 <a:cs typeface="Times New Roman" panose="02020603050405020304" pitchFamily="18" charset="0"/>
               </a:rPr>
-              <a:t>Login Page</a:t>
-            </a:r>
+              <a:t>Signup page</a:t>
+            </a:r>
+            <a:endParaRPr lang="en-IN" sz="3600" b="1" dirty="0"/>
           </a:p>
         </p:txBody>
       </p:sp>
@@ -5901,7 +5891,7 @@
           <p:cNvPr id="3" name="Content Placeholder 2">
             <a:extLst>
               <a:ext uri="{FF2B5EF4-FFF2-40B4-BE49-F238E27FC236}">
-                <a16:creationId xmlns:a16="http://schemas.microsoft.com/office/drawing/2014/main" id="{2FDB3CE9-5998-4F7B-A57B-0C533D592C91}"/>
+                <a16:creationId xmlns:a16="http://schemas.microsoft.com/office/drawing/2014/main" id="{43B2AE7E-0026-4AA5-BA7B-95EBAD02BCE9}"/>
               </a:ext>
             </a:extLst>
           </p:cNvPr>
@@ -5924,35 +5914,77 @@
               <a:buNone/>
             </a:pPr>
             <a:r>
-              <a:rPr lang="en-IN" dirty="0"/>
-              <a:t> </a:t>
-            </a:r>
-            <a:r>
               <a:rPr lang="en-IN" sz="2400" dirty="0">
                 <a:latin typeface="Times New Roman" panose="02020603050405020304" pitchFamily="18" charset="0"/>
                 <a:cs typeface="Times New Roman" panose="02020603050405020304" pitchFamily="18" charset="0"/>
               </a:rPr>
-              <a:t>Login screen where user can login in to the app</a:t>
-            </a:r>
-          </a:p>
-        </p:txBody>
-      </p:sp>
+              <a:t>Signup page for registration.</a:t>
+            </a:r>
+          </a:p>
+          <a:p>
+            <a:pPr marL="0" indent="0" algn="just">
+              <a:lnSpc>
+                <a:spcPct val="150000"/>
+              </a:lnSpc>
+              <a:buNone/>
+            </a:pPr>
+            <a:endParaRPr lang="en-IN" sz="2400" dirty="0">
+              <a:latin typeface="Times New Roman" panose="02020603050405020304" pitchFamily="18" charset="0"/>
+              <a:cs typeface="Times New Roman" panose="02020603050405020304" pitchFamily="18" charset="0"/>
+            </a:endParaRPr>
+          </a:p>
+        </p:txBody>
+      </p:sp>
+      <p:pic>
+        <p:nvPicPr>
+          <p:cNvPr id="5" name="Picture 4">
+            <a:extLst>
+              <a:ext uri="{FF2B5EF4-FFF2-40B4-BE49-F238E27FC236}">
+                <a16:creationId xmlns:a16="http://schemas.microsoft.com/office/drawing/2014/main" id="{15CCA526-C8E9-438D-8CA3-7282362EF70E}"/>
+              </a:ext>
+            </a:extLst>
+          </p:cNvPr>
+          <p:cNvPicPr/>
+          <p:nvPr/>
+        </p:nvPicPr>
+        <p:blipFill>
+          <a:blip r:embed="rId2"/>
+          <a:srcRect/>
+          <a:stretch>
+            <a:fillRect/>
+          </a:stretch>
+        </p:blipFill>
+        <p:spPr bwMode="auto">
+          <a:xfrm>
+            <a:off x="4560165" y="2317515"/>
+            <a:ext cx="2171700" cy="3378200"/>
+          </a:xfrm>
+          <a:prstGeom prst="rect">
+            <a:avLst/>
+          </a:prstGeom>
+          <a:noFill/>
+          <a:ln w="9525">
+            <a:noFill/>
+            <a:miter lim="800000"/>
+            <a:headEnd/>
+            <a:tailEnd/>
+          </a:ln>
+        </p:spPr>
+      </p:pic>
       <p:pic>
         <p:nvPicPr>
           <p:cNvPr id="6" name="Picture 5">
             <a:extLst>
               <a:ext uri="{FF2B5EF4-FFF2-40B4-BE49-F238E27FC236}">
-                <a16:creationId xmlns:a16="http://schemas.microsoft.com/office/drawing/2014/main" id="{4D5061E9-3695-435B-9364-A7FDF9082F12}"/>
+                <a16:creationId xmlns:a16="http://schemas.microsoft.com/office/drawing/2014/main" id="{EDDC15F2-E405-4AC0-80D0-FF30E09A4B36}"/>
               </a:ext>
             </a:extLst>
           </p:cNvPr>
-          <p:cNvPicPr>
-            <a:picLocks noChangeAspect="1"/>
-          </p:cNvPicPr>
+          <p:cNvPicPr/>
           <p:nvPr/>
         </p:nvPicPr>
         <p:blipFill>
-          <a:blip r:embed="rId2">
+          <a:blip r:embed="rId3" cstate="print">
             <a:extLst>
               <a:ext uri="{28A0092B-C50C-407E-A947-70E740481C1C}">
                 <a14:useLocalDpi xmlns:a14="http://schemas.microsoft.com/office/drawing/2010/main" val="0"/>
@@ -5965,8 +5997,8 @@
         </p:blipFill>
         <p:spPr>
           <a:xfrm>
-            <a:off x="2559873" y="2549525"/>
-            <a:ext cx="4024254" cy="3581400"/>
+            <a:off x="2362200" y="2363408"/>
+            <a:ext cx="2125980" cy="3360420"/>
           </a:xfrm>
           <a:prstGeom prst="rect">
             <a:avLst/>
@@ -5976,7 +6008,7 @@
     </p:spTree>
     <p:extLst>
       <p:ext uri="{BB962C8B-B14F-4D97-AF65-F5344CB8AC3E}">
-        <p14:creationId xmlns:p14="http://schemas.microsoft.com/office/powerpoint/2010/main" val="3303804127"/>
+        <p14:creationId xmlns:p14="http://schemas.microsoft.com/office/powerpoint/2010/main" val="1611861052"/>
       </p:ext>
     </p:extLst>
   </p:cSld>
@@ -6020,7 +6052,7 @@
           <p:cNvPr id="2" name="Title 1">
             <a:extLst>
               <a:ext uri="{FF2B5EF4-FFF2-40B4-BE49-F238E27FC236}">
-                <a16:creationId xmlns:a16="http://schemas.microsoft.com/office/drawing/2014/main" id="{C30BFCDF-79FD-4DFF-9410-6AFCC4DD2D0C}"/>
+                <a16:creationId xmlns:a16="http://schemas.microsoft.com/office/drawing/2014/main" id="{ABDA38E6-9B92-4CA9-A0D6-51EA3EBA1045}"/>
               </a:ext>
             </a:extLst>
           </p:cNvPr>
@@ -6036,7 +6068,7 @@
           <a:bodyPr/>
           <a:lstStyle/>
           <a:p>
-            <a:pPr>
+            <a:pPr algn="just">
               <a:lnSpc>
                 <a:spcPct val="150000"/>
               </a:lnSpc>
@@ -6046,17 +6078,17 @@
                 <a:latin typeface="Times New Roman" panose="02020603050405020304" pitchFamily="18" charset="0"/>
                 <a:cs typeface="Times New Roman" panose="02020603050405020304" pitchFamily="18" charset="0"/>
               </a:rPr>
-              <a:t>Home page</a:t>
-            </a:r>
-          </a:p>
-        </p:txBody>
-      </p:sp>
-      <p:sp>
-        <p:nvSpPr>
-          <p:cNvPr id="5" name="Content Placeholder 4">
+              <a:t>Login Page</a:t>
+            </a:r>
+          </a:p>
+        </p:txBody>
+      </p:sp>
+      <p:sp>
+        <p:nvSpPr>
+          <p:cNvPr id="3" name="Content Placeholder 2">
             <a:extLst>
               <a:ext uri="{FF2B5EF4-FFF2-40B4-BE49-F238E27FC236}">
-                <a16:creationId xmlns:a16="http://schemas.microsoft.com/office/drawing/2014/main" id="{3F54C9D2-9026-41CB-8CEF-76BBEDF73DA3}"/>
+                <a16:creationId xmlns:a16="http://schemas.microsoft.com/office/drawing/2014/main" id="{2FDB3CE9-5998-4F7B-A57B-0C533D592C91}"/>
               </a:ext>
             </a:extLst>
           </p:cNvPr>
@@ -6067,7 +6099,12 @@
             <p:ph idx="1"/>
           </p:nvPr>
         </p:nvSpPr>
-        <p:spPr/>
+        <p:spPr>
+          <a:xfrm>
+            <a:off x="457200" y="1295400"/>
+            <a:ext cx="8229600" cy="4835525"/>
+          </a:xfrm>
+        </p:spPr>
         <p:txBody>
           <a:bodyPr/>
           <a:lstStyle/>
@@ -6079,24 +6116,25 @@
               <a:buNone/>
             </a:pPr>
             <a:r>
+              <a:rPr lang="en-IN" dirty="0"/>
+              <a:t> </a:t>
+            </a:r>
+            <a:r>
               <a:rPr lang="en-IN" sz="2400" dirty="0">
                 <a:latin typeface="Times New Roman" panose="02020603050405020304" pitchFamily="18" charset="0"/>
                 <a:cs typeface="Times New Roman" panose="02020603050405020304" pitchFamily="18" charset="0"/>
               </a:rPr>
-              <a:t>Home page of app showing posts. </a:t>
-            </a:r>
-          </a:p>
-          <a:p>
-            <a:endParaRPr lang="en-IN" dirty="0"/>
+              <a:t>Login screen where user can login in to the app</a:t>
+            </a:r>
           </a:p>
         </p:txBody>
       </p:sp>
       <p:pic>
         <p:nvPicPr>
-          <p:cNvPr id="4" name="Picture 3">
+          <p:cNvPr id="6" name="Picture 5">
             <a:extLst>
               <a:ext uri="{FF2B5EF4-FFF2-40B4-BE49-F238E27FC236}">
-                <a16:creationId xmlns:a16="http://schemas.microsoft.com/office/drawing/2014/main" id="{120819CA-889E-4F79-A3EC-E16D44B2CF00}"/>
+                <a16:creationId xmlns:a16="http://schemas.microsoft.com/office/drawing/2014/main" id="{4D5061E9-3695-435B-9364-A7FDF9082F12}"/>
               </a:ext>
             </a:extLst>
           </p:cNvPr>
@@ -6119,8 +6157,8 @@
         </p:blipFill>
         <p:spPr>
           <a:xfrm>
-            <a:off x="2947737" y="2438400"/>
-            <a:ext cx="3248526" cy="3581400"/>
+            <a:off x="3048000" y="2133600"/>
+            <a:ext cx="3383727" cy="3581400"/>
           </a:xfrm>
           <a:prstGeom prst="rect">
             <a:avLst/>
@@ -6130,7 +6168,7 @@
     </p:spTree>
     <p:extLst>
       <p:ext uri="{BB962C8B-B14F-4D97-AF65-F5344CB8AC3E}">
-        <p14:creationId xmlns:p14="http://schemas.microsoft.com/office/powerpoint/2010/main" val="2551763331"/>
+        <p14:creationId xmlns:p14="http://schemas.microsoft.com/office/powerpoint/2010/main" val="3303804127"/>
       </p:ext>
     </p:extLst>
   </p:cSld>
@@ -6174,7 +6212,7 @@
           <p:cNvPr id="2" name="Title 1">
             <a:extLst>
               <a:ext uri="{FF2B5EF4-FFF2-40B4-BE49-F238E27FC236}">
-                <a16:creationId xmlns:a16="http://schemas.microsoft.com/office/drawing/2014/main" id="{BABFD305-BDF0-4791-8C11-0D4B2B49B568}"/>
+                <a16:creationId xmlns:a16="http://schemas.microsoft.com/office/drawing/2014/main" id="{C30BFCDF-79FD-4DFF-9410-6AFCC4DD2D0C}"/>
               </a:ext>
             </a:extLst>
           </p:cNvPr>
@@ -6190,7 +6228,7 @@
           <a:bodyPr/>
           <a:lstStyle/>
           <a:p>
-            <a:pPr algn="just">
+            <a:pPr>
               <a:lnSpc>
                 <a:spcPct val="150000"/>
               </a:lnSpc>
@@ -6200,18 +6238,17 @@
                 <a:latin typeface="Times New Roman" panose="02020603050405020304" pitchFamily="18" charset="0"/>
                 <a:cs typeface="Times New Roman" panose="02020603050405020304" pitchFamily="18" charset="0"/>
               </a:rPr>
-              <a:t>New post page</a:t>
-            </a:r>
-            <a:endParaRPr lang="en-IN" sz="3600" b="1" dirty="0"/>
-          </a:p>
-        </p:txBody>
-      </p:sp>
-      <p:sp>
-        <p:nvSpPr>
-          <p:cNvPr id="3" name="Content Placeholder 2">
+              <a:t>Home page</a:t>
+            </a:r>
+          </a:p>
+        </p:txBody>
+      </p:sp>
+      <p:sp>
+        <p:nvSpPr>
+          <p:cNvPr id="5" name="Content Placeholder 4">
             <a:extLst>
               <a:ext uri="{FF2B5EF4-FFF2-40B4-BE49-F238E27FC236}">
-                <a16:creationId xmlns:a16="http://schemas.microsoft.com/office/drawing/2014/main" id="{7B5BC527-72B9-44A8-B8CE-C01AC966C009}"/>
+                <a16:creationId xmlns:a16="http://schemas.microsoft.com/office/drawing/2014/main" id="{3F54C9D2-9026-41CB-8CEF-76BBEDF73DA3}"/>
               </a:ext>
             </a:extLst>
           </p:cNvPr>
@@ -6238,20 +6275,11 @@
                 <a:latin typeface="Times New Roman" panose="02020603050405020304" pitchFamily="18" charset="0"/>
                 <a:cs typeface="Times New Roman" panose="02020603050405020304" pitchFamily="18" charset="0"/>
               </a:rPr>
-              <a:t>New post page, Here we can post the pictures. </a:t>
-            </a:r>
-          </a:p>
-          <a:p>
-            <a:pPr marL="0" indent="0" algn="just">
-              <a:lnSpc>
-                <a:spcPct val="150000"/>
-              </a:lnSpc>
-              <a:buNone/>
-            </a:pPr>
-            <a:endParaRPr lang="en-IN" sz="2400" dirty="0">
-              <a:latin typeface="Times New Roman" panose="02020603050405020304" pitchFamily="18" charset="0"/>
-              <a:cs typeface="Times New Roman" panose="02020603050405020304" pitchFamily="18" charset="0"/>
-            </a:endParaRPr>
+              <a:t>Home page of app showing posts. </a:t>
+            </a:r>
+          </a:p>
+          <a:p>
+            <a:endParaRPr lang="en-IN" dirty="0"/>
           </a:p>
         </p:txBody>
       </p:sp>
@@ -6260,41 +6288,41 @@
           <p:cNvPr id="4" name="Picture 3">
             <a:extLst>
               <a:ext uri="{FF2B5EF4-FFF2-40B4-BE49-F238E27FC236}">
-                <a16:creationId xmlns:a16="http://schemas.microsoft.com/office/drawing/2014/main" id="{B24A24E4-1CCD-4042-9795-5C7251EA3823}"/>
+                <a16:creationId xmlns:a16="http://schemas.microsoft.com/office/drawing/2014/main" id="{120819CA-889E-4F79-A3EC-E16D44B2CF00}"/>
               </a:ext>
             </a:extLst>
           </p:cNvPr>
-          <p:cNvPicPr/>
+          <p:cNvPicPr>
+            <a:picLocks noChangeAspect="1"/>
+          </p:cNvPicPr>
           <p:nvPr/>
         </p:nvPicPr>
         <p:blipFill>
-          <a:blip r:embed="rId2"/>
-          <a:srcRect/>
+          <a:blip r:embed="rId2">
+            <a:extLst>
+              <a:ext uri="{28A0092B-C50C-407E-A947-70E740481C1C}">
+                <a14:useLocalDpi xmlns:a14="http://schemas.microsoft.com/office/drawing/2010/main" val="0"/>
+              </a:ext>
+            </a:extLst>
+          </a:blip>
           <a:stretch>
             <a:fillRect/>
           </a:stretch>
         </p:blipFill>
-        <p:spPr bwMode="auto">
+        <p:spPr>
           <a:xfrm>
-            <a:off x="2771800" y="2348880"/>
-            <a:ext cx="2935982" cy="3202682"/>
+            <a:off x="3124199" y="2438400"/>
+            <a:ext cx="3072063" cy="3581400"/>
           </a:xfrm>
           <a:prstGeom prst="rect">
             <a:avLst/>
           </a:prstGeom>
-          <a:noFill/>
-          <a:ln w="9525">
-            <a:noFill/>
-            <a:miter lim="800000"/>
-            <a:headEnd/>
-            <a:tailEnd/>
-          </a:ln>
         </p:spPr>
       </p:pic>
     </p:spTree>
     <p:extLst>
       <p:ext uri="{BB962C8B-B14F-4D97-AF65-F5344CB8AC3E}">
-        <p14:creationId xmlns:p14="http://schemas.microsoft.com/office/powerpoint/2010/main" val="2924032699"/>
+        <p14:creationId xmlns:p14="http://schemas.microsoft.com/office/powerpoint/2010/main" val="2551763331"/>
       </p:ext>
     </p:extLst>
   </p:cSld>
@@ -6338,7 +6366,7 @@
           <p:cNvPr id="2" name="Title 1">
             <a:extLst>
               <a:ext uri="{FF2B5EF4-FFF2-40B4-BE49-F238E27FC236}">
-                <a16:creationId xmlns:a16="http://schemas.microsoft.com/office/drawing/2014/main" id="{916B77B6-4A2C-4628-8003-75F5E389B28A}"/>
+                <a16:creationId xmlns:a16="http://schemas.microsoft.com/office/drawing/2014/main" id="{BABFD305-BDF0-4791-8C11-0D4B2B49B568}"/>
               </a:ext>
             </a:extLst>
           </p:cNvPr>
@@ -6360,16 +6388,13 @@
               </a:lnSpc>
             </a:pPr>
             <a:r>
-              <a:rPr lang="en-US" sz="4000" b="1" dirty="0">
+              <a:rPr lang="en-IN" sz="3600" b="1" dirty="0">
                 <a:latin typeface="Times New Roman" panose="02020603050405020304" pitchFamily="18" charset="0"/>
                 <a:cs typeface="Times New Roman" panose="02020603050405020304" pitchFamily="18" charset="0"/>
               </a:rPr>
-              <a:t>Profile page of user and edit options</a:t>
-            </a:r>
-            <a:endParaRPr lang="en-IN" sz="4000" b="1" dirty="0">
-              <a:latin typeface="Times New Roman" panose="02020603050405020304" pitchFamily="18" charset="0"/>
-              <a:cs typeface="Times New Roman" panose="02020603050405020304" pitchFamily="18" charset="0"/>
-            </a:endParaRPr>
+              <a:t>New post page</a:t>
+            </a:r>
+            <a:endParaRPr lang="en-IN" sz="3600" b="1" dirty="0"/>
           </a:p>
         </p:txBody>
       </p:sp>
@@ -6378,7 +6403,7 @@
           <p:cNvPr id="3" name="Content Placeholder 2">
             <a:extLst>
               <a:ext uri="{FF2B5EF4-FFF2-40B4-BE49-F238E27FC236}">
-                <a16:creationId xmlns:a16="http://schemas.microsoft.com/office/drawing/2014/main" id="{E893C1E6-65AF-4DD5-9D51-50887DBD8BD3}"/>
+                <a16:creationId xmlns:a16="http://schemas.microsoft.com/office/drawing/2014/main" id="{7B5BC527-72B9-44A8-B8CE-C01AC966C009}"/>
               </a:ext>
             </a:extLst>
           </p:cNvPr>
@@ -6389,12 +6414,7 @@
             <p:ph idx="1"/>
           </p:nvPr>
         </p:nvSpPr>
-        <p:spPr>
-          <a:xfrm>
-            <a:off x="457200" y="1371600"/>
-            <a:ext cx="8229600" cy="4759325"/>
-          </a:xfrm>
-        </p:spPr>
+        <p:spPr/>
         <p:txBody>
           <a:bodyPr/>
           <a:lstStyle/>
@@ -6406,18 +6426,21 @@
               <a:buNone/>
             </a:pPr>
             <a:r>
-              <a:rPr lang="en-US" sz="2000" dirty="0">
+              <a:rPr lang="en-IN" sz="2400" dirty="0">
                 <a:latin typeface="Times New Roman" panose="02020603050405020304" pitchFamily="18" charset="0"/>
                 <a:cs typeface="Times New Roman" panose="02020603050405020304" pitchFamily="18" charset="0"/>
               </a:rPr>
-              <a:t>	Profile page of user and edit options that a user can change his profile picture and bio and count about followers, following, posts, trip.</a:t>
-            </a:r>
-          </a:p>
-          <a:p>
-            <a:pPr marL="0" indent="0">
+              <a:t>New post page, Here we can post the pictures. </a:t>
+            </a:r>
+          </a:p>
+          <a:p>
+            <a:pPr marL="0" indent="0" algn="just">
+              <a:lnSpc>
+                <a:spcPct val="150000"/>
+              </a:lnSpc>
               <a:buNone/>
             </a:pPr>
-            <a:endParaRPr lang="en-IN" sz="2000" dirty="0">
+            <a:endParaRPr lang="en-IN" sz="2400" dirty="0">
               <a:latin typeface="Times New Roman" panose="02020603050405020304" pitchFamily="18" charset="0"/>
               <a:cs typeface="Times New Roman" panose="02020603050405020304" pitchFamily="18" charset="0"/>
             </a:endParaRPr>
@@ -6426,80 +6449,44 @@
       </p:sp>
       <p:pic>
         <p:nvPicPr>
-          <p:cNvPr id="7" name="Picture 6">
+          <p:cNvPr id="4" name="Picture 3">
             <a:extLst>
               <a:ext uri="{FF2B5EF4-FFF2-40B4-BE49-F238E27FC236}">
-                <a16:creationId xmlns:a16="http://schemas.microsoft.com/office/drawing/2014/main" id="{FCE560D5-0C1B-4600-A696-AA8BD54B94C1}"/>
+                <a16:creationId xmlns:a16="http://schemas.microsoft.com/office/drawing/2014/main" id="{B24A24E4-1CCD-4042-9795-5C7251EA3823}"/>
               </a:ext>
             </a:extLst>
           </p:cNvPr>
-          <p:cNvPicPr>
-            <a:picLocks noChangeAspect="1"/>
-          </p:cNvPicPr>
+          <p:cNvPicPr/>
           <p:nvPr/>
         </p:nvPicPr>
         <p:blipFill>
-          <a:blip r:embed="rId2">
-            <a:extLst>
-              <a:ext uri="{28A0092B-C50C-407E-A947-70E740481C1C}">
-                <a14:useLocalDpi xmlns:a14="http://schemas.microsoft.com/office/drawing/2010/main" val="0"/>
-              </a:ext>
-            </a:extLst>
-          </a:blip>
+          <a:blip r:embed="rId2"/>
+          <a:srcRect/>
           <a:stretch>
             <a:fillRect/>
           </a:stretch>
         </p:blipFill>
-        <p:spPr>
+        <p:spPr bwMode="auto">
           <a:xfrm>
-            <a:off x="924017" y="2843012"/>
-            <a:ext cx="3429000" cy="3279775"/>
+            <a:off x="2771800" y="2348880"/>
+            <a:ext cx="2935982" cy="3202682"/>
           </a:xfrm>
           <a:prstGeom prst="rect">
             <a:avLst/>
           </a:prstGeom>
-        </p:spPr>
-      </p:pic>
-      <p:pic>
-        <p:nvPicPr>
-          <p:cNvPr id="9" name="Picture 8">
-            <a:extLst>
-              <a:ext uri="{FF2B5EF4-FFF2-40B4-BE49-F238E27FC236}">
-                <a16:creationId xmlns:a16="http://schemas.microsoft.com/office/drawing/2014/main" id="{B9B2672A-B612-4280-8FF1-3E1F4C82B1BC}"/>
-              </a:ext>
-            </a:extLst>
-          </p:cNvPr>
-          <p:cNvPicPr>
-            <a:picLocks noChangeAspect="1"/>
-          </p:cNvPicPr>
-          <p:nvPr/>
-        </p:nvPicPr>
-        <p:blipFill>
-          <a:blip r:embed="rId3">
-            <a:extLst>
-              <a:ext uri="{28A0092B-C50C-407E-A947-70E740481C1C}">
-                <a14:useLocalDpi xmlns:a14="http://schemas.microsoft.com/office/drawing/2010/main" val="0"/>
-              </a:ext>
-            </a:extLst>
-          </a:blip>
-          <a:stretch>
-            <a:fillRect/>
-          </a:stretch>
-        </p:blipFill>
-        <p:spPr>
-          <a:xfrm>
-            <a:off x="4790983" y="2851150"/>
-            <a:ext cx="3429000" cy="3279775"/>
-          </a:xfrm>
-          <a:prstGeom prst="rect">
-            <a:avLst/>
-          </a:prstGeom>
+          <a:noFill/>
+          <a:ln w="9525">
+            <a:noFill/>
+            <a:miter lim="800000"/>
+            <a:headEnd/>
+            <a:tailEnd/>
+          </a:ln>
         </p:spPr>
       </p:pic>
     </p:spTree>
     <p:extLst>
       <p:ext uri="{BB962C8B-B14F-4D97-AF65-F5344CB8AC3E}">
-        <p14:creationId xmlns:p14="http://schemas.microsoft.com/office/powerpoint/2010/main" val="3640020473"/>
+        <p14:creationId xmlns:p14="http://schemas.microsoft.com/office/powerpoint/2010/main" val="2924032699"/>
       </p:ext>
     </p:extLst>
   </p:cSld>
@@ -6543,7 +6530,7 @@
           <p:cNvPr id="2" name="Title 1">
             <a:extLst>
               <a:ext uri="{FF2B5EF4-FFF2-40B4-BE49-F238E27FC236}">
-                <a16:creationId xmlns:a16="http://schemas.microsoft.com/office/drawing/2014/main" id="{A875DDD5-F39B-4D9F-AD7A-8C030683C418}"/>
+                <a16:creationId xmlns:a16="http://schemas.microsoft.com/office/drawing/2014/main" id="{916B77B6-4A2C-4628-8003-75F5E389B28A}"/>
               </a:ext>
             </a:extLst>
           </p:cNvPr>
@@ -6565,12 +6552,16 @@
               </a:lnSpc>
             </a:pPr>
             <a:r>
-              <a:rPr lang="en-IN" b="1" dirty="0">
-                <a:latin typeface="Times New Roman" pitchFamily="18" charset="0"/>
-                <a:cs typeface="Times New Roman" pitchFamily="18" charset="0"/>
+              <a:rPr lang="en-US" sz="4000" b="1" dirty="0">
+                <a:latin typeface="Times New Roman" panose="02020603050405020304" pitchFamily="18" charset="0"/>
+                <a:cs typeface="Times New Roman" panose="02020603050405020304" pitchFamily="18" charset="0"/>
               </a:rPr>
-              <a:t>Post page </a:t>
-            </a:r>
+              <a:t>Profile page of user and edit options</a:t>
+            </a:r>
+            <a:endParaRPr lang="en-IN" sz="4000" b="1" dirty="0">
+              <a:latin typeface="Times New Roman" panose="02020603050405020304" pitchFamily="18" charset="0"/>
+              <a:cs typeface="Times New Roman" panose="02020603050405020304" pitchFamily="18" charset="0"/>
+            </a:endParaRPr>
           </a:p>
         </p:txBody>
       </p:sp>
@@ -6579,7 +6570,7 @@
           <p:cNvPr id="3" name="Content Placeholder 2">
             <a:extLst>
               <a:ext uri="{FF2B5EF4-FFF2-40B4-BE49-F238E27FC236}">
-                <a16:creationId xmlns:a16="http://schemas.microsoft.com/office/drawing/2014/main" id="{32F77BFE-0EDC-4D69-A31F-B5734706E9D1}"/>
+                <a16:creationId xmlns:a16="http://schemas.microsoft.com/office/drawing/2014/main" id="{E893C1E6-65AF-4DD5-9D51-50887DBD8BD3}"/>
               </a:ext>
             </a:extLst>
           </p:cNvPr>
@@ -6592,8 +6583,8 @@
         </p:nvSpPr>
         <p:spPr>
           <a:xfrm>
-            <a:off x="457200" y="1295400"/>
-            <a:ext cx="8229600" cy="4835525"/>
+            <a:off x="457200" y="1371600"/>
+            <a:ext cx="8229600" cy="4759325"/>
           </a:xfrm>
         </p:spPr>
         <p:txBody>
@@ -6611,7 +6602,7 @@
                 <a:latin typeface="Times New Roman" panose="02020603050405020304" pitchFamily="18" charset="0"/>
                 <a:cs typeface="Times New Roman" panose="02020603050405020304" pitchFamily="18" charset="0"/>
               </a:rPr>
-              <a:t>This is a post page where all other posted pictures  can also seen.</a:t>
+              <a:t>	Profile page of user and edit options that a user can change his profile picture and bio and count about followers, following, posts, trip.</a:t>
             </a:r>
           </a:p>
           <a:p>
@@ -6627,44 +6618,80 @@
       </p:sp>
       <p:pic>
         <p:nvPicPr>
-          <p:cNvPr id="4" name="Picture 3">
+          <p:cNvPr id="7" name="Picture 6">
             <a:extLst>
               <a:ext uri="{FF2B5EF4-FFF2-40B4-BE49-F238E27FC236}">
-                <a16:creationId xmlns:a16="http://schemas.microsoft.com/office/drawing/2014/main" id="{99D46A16-C556-49C3-A049-E85FC22ABA2B}"/>
+                <a16:creationId xmlns:a16="http://schemas.microsoft.com/office/drawing/2014/main" id="{FCE560D5-0C1B-4600-A696-AA8BD54B94C1}"/>
               </a:ext>
             </a:extLst>
           </p:cNvPr>
-          <p:cNvPicPr/>
+          <p:cNvPicPr>
+            <a:picLocks noChangeAspect="1"/>
+          </p:cNvPicPr>
           <p:nvPr/>
         </p:nvPicPr>
         <p:blipFill>
-          <a:blip r:embed="rId2"/>
-          <a:srcRect/>
+          <a:blip r:embed="rId2">
+            <a:extLst>
+              <a:ext uri="{28A0092B-C50C-407E-A947-70E740481C1C}">
+                <a14:useLocalDpi xmlns:a14="http://schemas.microsoft.com/office/drawing/2010/main" val="0"/>
+              </a:ext>
+            </a:extLst>
+          </a:blip>
           <a:stretch>
             <a:fillRect/>
           </a:stretch>
         </p:blipFill>
-        <p:spPr bwMode="auto">
+        <p:spPr>
           <a:xfrm>
-            <a:off x="2915816" y="2348880"/>
-            <a:ext cx="2482850" cy="3289300"/>
+            <a:off x="924017" y="2843012"/>
+            <a:ext cx="3429000" cy="3279775"/>
           </a:xfrm>
           <a:prstGeom prst="rect">
             <a:avLst/>
           </a:prstGeom>
-          <a:noFill/>
-          <a:ln w="9525">
-            <a:noFill/>
-            <a:miter lim="800000"/>
-            <a:headEnd/>
-            <a:tailEnd/>
-          </a:ln>
+        </p:spPr>
+      </p:pic>
+      <p:pic>
+        <p:nvPicPr>
+          <p:cNvPr id="9" name="Picture 8">
+            <a:extLst>
+              <a:ext uri="{FF2B5EF4-FFF2-40B4-BE49-F238E27FC236}">
+                <a16:creationId xmlns:a16="http://schemas.microsoft.com/office/drawing/2014/main" id="{B9B2672A-B612-4280-8FF1-3E1F4C82B1BC}"/>
+              </a:ext>
+            </a:extLst>
+          </p:cNvPr>
+          <p:cNvPicPr>
+            <a:picLocks noChangeAspect="1"/>
+          </p:cNvPicPr>
+          <p:nvPr/>
+        </p:nvPicPr>
+        <p:blipFill>
+          <a:blip r:embed="rId3">
+            <a:extLst>
+              <a:ext uri="{28A0092B-C50C-407E-A947-70E740481C1C}">
+                <a14:useLocalDpi xmlns:a14="http://schemas.microsoft.com/office/drawing/2010/main" val="0"/>
+              </a:ext>
+            </a:extLst>
+          </a:blip>
+          <a:stretch>
+            <a:fillRect/>
+          </a:stretch>
+        </p:blipFill>
+        <p:spPr>
+          <a:xfrm>
+            <a:off x="4790983" y="2851150"/>
+            <a:ext cx="3429000" cy="3279775"/>
+          </a:xfrm>
+          <a:prstGeom prst="rect">
+            <a:avLst/>
+          </a:prstGeom>
         </p:spPr>
       </p:pic>
     </p:spTree>
     <p:extLst>
       <p:ext uri="{BB962C8B-B14F-4D97-AF65-F5344CB8AC3E}">
-        <p14:creationId xmlns:p14="http://schemas.microsoft.com/office/powerpoint/2010/main" val="686204543"/>
+        <p14:creationId xmlns:p14="http://schemas.microsoft.com/office/powerpoint/2010/main" val="3640020473"/>
       </p:ext>
     </p:extLst>
   </p:cSld>
@@ -6708,7 +6735,7 @@
           <p:cNvPr id="2" name="Title 1">
             <a:extLst>
               <a:ext uri="{FF2B5EF4-FFF2-40B4-BE49-F238E27FC236}">
-                <a16:creationId xmlns:a16="http://schemas.microsoft.com/office/drawing/2014/main" id="{C5A2C107-425B-43AF-840E-909B61E2A1DC}"/>
+                <a16:creationId xmlns:a16="http://schemas.microsoft.com/office/drawing/2014/main" id="{A875DDD5-F39B-4D9F-AD7A-8C030683C418}"/>
               </a:ext>
             </a:extLst>
           </p:cNvPr>
@@ -6724,12 +6751,17 @@
           <a:bodyPr/>
           <a:lstStyle/>
           <a:p>
+            <a:pPr algn="just">
+              <a:lnSpc>
+                <a:spcPct val="150000"/>
+              </a:lnSpc>
+            </a:pPr>
             <a:r>
               <a:rPr lang="en-IN" b="1" dirty="0">
                 <a:latin typeface="Times New Roman" pitchFamily="18" charset="0"/>
                 <a:cs typeface="Times New Roman" pitchFamily="18" charset="0"/>
               </a:rPr>
-              <a:t>Friends page </a:t>
+              <a:t>Post page </a:t>
             </a:r>
           </a:p>
         </p:txBody>
@@ -6739,7 +6771,7 @@
           <p:cNvPr id="3" name="Content Placeholder 2">
             <a:extLst>
               <a:ext uri="{FF2B5EF4-FFF2-40B4-BE49-F238E27FC236}">
-                <a16:creationId xmlns:a16="http://schemas.microsoft.com/office/drawing/2014/main" id="{DCF14869-1A81-48F5-9C14-B60280A1BA51}"/>
+                <a16:creationId xmlns:a16="http://schemas.microsoft.com/office/drawing/2014/main" id="{32F77BFE-0EDC-4D69-A31F-B5734706E9D1}"/>
               </a:ext>
             </a:extLst>
           </p:cNvPr>
@@ -6752,8 +6784,8 @@
         </p:nvSpPr>
         <p:spPr>
           <a:xfrm>
-            <a:off x="457200" y="1219200"/>
-            <a:ext cx="8229600" cy="4911725"/>
+            <a:off x="457200" y="1295400"/>
+            <a:ext cx="8229600" cy="4835525"/>
           </a:xfrm>
         </p:spPr>
         <p:txBody>
@@ -6767,13 +6799,18 @@
               <a:buNone/>
             </a:pPr>
             <a:r>
-              <a:rPr lang="en-US" sz="2400" dirty="0">
+              <a:rPr lang="en-US" sz="2000" dirty="0">
                 <a:latin typeface="Times New Roman" panose="02020603050405020304" pitchFamily="18" charset="0"/>
                 <a:cs typeface="Times New Roman" panose="02020603050405020304" pitchFamily="18" charset="0"/>
               </a:rPr>
-              <a:t>Friends page where user  can follow others.</a:t>
-            </a:r>
-            <a:endParaRPr lang="en-IN" sz="2400" dirty="0">
+              <a:t>This is a post page where all other posted pictures  can also seen.</a:t>
+            </a:r>
+          </a:p>
+          <a:p>
+            <a:pPr marL="0" indent="0">
+              <a:buNone/>
+            </a:pPr>
+            <a:endParaRPr lang="en-IN" sz="2000" dirty="0">
               <a:latin typeface="Times New Roman" panose="02020603050405020304" pitchFamily="18" charset="0"/>
               <a:cs typeface="Times New Roman" panose="02020603050405020304" pitchFamily="18" charset="0"/>
             </a:endParaRPr>
@@ -6782,44 +6819,44 @@
       </p:sp>
       <p:pic>
         <p:nvPicPr>
-          <p:cNvPr id="6" name="Picture 5">
+          <p:cNvPr id="4" name="Picture 3">
             <a:extLst>
               <a:ext uri="{FF2B5EF4-FFF2-40B4-BE49-F238E27FC236}">
-                <a16:creationId xmlns:a16="http://schemas.microsoft.com/office/drawing/2014/main" id="{9967A677-8902-4397-9DF8-667C53C848B5}"/>
+                <a16:creationId xmlns:a16="http://schemas.microsoft.com/office/drawing/2014/main" id="{99D46A16-C556-49C3-A049-E85FC22ABA2B}"/>
               </a:ext>
             </a:extLst>
           </p:cNvPr>
-          <p:cNvPicPr>
-            <a:picLocks noChangeAspect="1"/>
-          </p:cNvPicPr>
+          <p:cNvPicPr/>
           <p:nvPr/>
         </p:nvPicPr>
         <p:blipFill>
-          <a:blip r:embed="rId2">
-            <a:extLst>
-              <a:ext uri="{28A0092B-C50C-407E-A947-70E740481C1C}">
-                <a14:useLocalDpi xmlns:a14="http://schemas.microsoft.com/office/drawing/2010/main" val="0"/>
-              </a:ext>
-            </a:extLst>
-          </a:blip>
+          <a:blip r:embed="rId2"/>
+          <a:srcRect/>
           <a:stretch>
             <a:fillRect/>
           </a:stretch>
         </p:blipFill>
-        <p:spPr>
+        <p:spPr bwMode="auto">
           <a:xfrm>
-            <a:off x="2947737" y="2057400"/>
-            <a:ext cx="3248526" cy="4073525"/>
+            <a:off x="2915816" y="2348880"/>
+            <a:ext cx="2482850" cy="3289300"/>
           </a:xfrm>
           <a:prstGeom prst="rect">
             <a:avLst/>
           </a:prstGeom>
+          <a:noFill/>
+          <a:ln w="9525">
+            <a:noFill/>
+            <a:miter lim="800000"/>
+            <a:headEnd/>
+            <a:tailEnd/>
+          </a:ln>
         </p:spPr>
       </p:pic>
     </p:spTree>
     <p:extLst>
       <p:ext uri="{BB962C8B-B14F-4D97-AF65-F5344CB8AC3E}">
-        <p14:creationId xmlns:p14="http://schemas.microsoft.com/office/powerpoint/2010/main" val="3535376969"/>
+        <p14:creationId xmlns:p14="http://schemas.microsoft.com/office/powerpoint/2010/main" val="686204543"/>
       </p:ext>
     </p:extLst>
   </p:cSld>
@@ -6863,7 +6900,7 @@
           <p:cNvPr id="2" name="Title 1">
             <a:extLst>
               <a:ext uri="{FF2B5EF4-FFF2-40B4-BE49-F238E27FC236}">
-                <a16:creationId xmlns:a16="http://schemas.microsoft.com/office/drawing/2014/main" id="{3FD05205-6BEE-4412-B0CC-6D3ED269F217}"/>
+                <a16:creationId xmlns:a16="http://schemas.microsoft.com/office/drawing/2014/main" id="{C5A2C107-425B-43AF-840E-909B61E2A1DC}"/>
               </a:ext>
             </a:extLst>
           </p:cNvPr>
@@ -6884,7 +6921,7 @@
                 <a:latin typeface="Times New Roman" pitchFamily="18" charset="0"/>
                 <a:cs typeface="Times New Roman" pitchFamily="18" charset="0"/>
               </a:rPr>
-              <a:t>Trip Page </a:t>
+              <a:t>Friends page </a:t>
             </a:r>
           </a:p>
         </p:txBody>
@@ -6894,7 +6931,7 @@
           <p:cNvPr id="3" name="Content Placeholder 2">
             <a:extLst>
               <a:ext uri="{FF2B5EF4-FFF2-40B4-BE49-F238E27FC236}">
-                <a16:creationId xmlns:a16="http://schemas.microsoft.com/office/drawing/2014/main" id="{C91D736F-0310-49D2-9E0F-A732ED3B8A56}"/>
+                <a16:creationId xmlns:a16="http://schemas.microsoft.com/office/drawing/2014/main" id="{DCF14869-1A81-48F5-9C14-B60280A1BA51}"/>
               </a:ext>
             </a:extLst>
           </p:cNvPr>
@@ -6907,49 +6944,28 @@
         </p:nvSpPr>
         <p:spPr>
           <a:xfrm>
-            <a:off x="457200" y="1196752"/>
-            <a:ext cx="8229600" cy="4934173"/>
+            <a:off x="457200" y="1219200"/>
+            <a:ext cx="8229600" cy="4911725"/>
           </a:xfrm>
         </p:spPr>
         <p:txBody>
           <a:bodyPr/>
           <a:lstStyle/>
           <a:p>
-            <a:pPr algn="just">
+            <a:pPr marL="0" indent="0" algn="just">
               <a:lnSpc>
                 <a:spcPct val="150000"/>
               </a:lnSpc>
-              <a:buClrTx/>
-              <a:buSzPct val="100000"/>
-              <a:buFont typeface="Wingdings" panose="05000000000000000000" pitchFamily="2" charset="2"/>
-              <a:buChar char="Ø"/>
-            </a:pPr>
-            <a:r>
-              <a:rPr lang="en-US" sz="2000" dirty="0">
+              <a:buNone/>
+            </a:pPr>
+            <a:r>
+              <a:rPr lang="en-US" sz="2400" dirty="0">
                 <a:latin typeface="Times New Roman" panose="02020603050405020304" pitchFamily="18" charset="0"/>
                 <a:cs typeface="Times New Roman" panose="02020603050405020304" pitchFamily="18" charset="0"/>
               </a:rPr>
-              <a:t>Trip page, in this page it will show the planed trips by the users and others. If the user follow the trip he chat with the trip planner about the trip.</a:t>
-            </a:r>
-          </a:p>
-          <a:p>
-            <a:pPr algn="just">
-              <a:lnSpc>
-                <a:spcPct val="150000"/>
-              </a:lnSpc>
-              <a:buClrTx/>
-              <a:buSzPct val="100000"/>
-              <a:buFont typeface="Wingdings" panose="05000000000000000000" pitchFamily="2" charset="2"/>
-              <a:buChar char="Ø"/>
-            </a:pPr>
-            <a:r>
-              <a:rPr lang="en-US" sz="2000" dirty="0">
-                <a:latin typeface="Times New Roman" panose="02020603050405020304" pitchFamily="18" charset="0"/>
-                <a:cs typeface="Times New Roman" panose="02020603050405020304" pitchFamily="18" charset="0"/>
-              </a:rPr>
-              <a:t>Add Trip, here the user can add a trip.</a:t>
-            </a:r>
-            <a:endParaRPr lang="en-IN" sz="2000" dirty="0">
+              <a:t>Friends page where user  can follow others.</a:t>
+            </a:r>
+            <a:endParaRPr lang="en-IN" sz="2400" dirty="0">
               <a:latin typeface="Times New Roman" panose="02020603050405020304" pitchFamily="18" charset="0"/>
               <a:cs typeface="Times New Roman" panose="02020603050405020304" pitchFamily="18" charset="0"/>
             </a:endParaRPr>
@@ -6958,46 +6974,10 @@
       </p:sp>
       <p:pic>
         <p:nvPicPr>
-          <p:cNvPr id="5" name="Picture 4">
+          <p:cNvPr id="6" name="Picture 5">
             <a:extLst>
               <a:ext uri="{FF2B5EF4-FFF2-40B4-BE49-F238E27FC236}">
-                <a16:creationId xmlns:a16="http://schemas.microsoft.com/office/drawing/2014/main" id="{EF2F1B45-6958-424C-A402-CB4832F7DABC}"/>
-              </a:ext>
-            </a:extLst>
-          </p:cNvPr>
-          <p:cNvPicPr/>
-          <p:nvPr/>
-        </p:nvPicPr>
-        <p:blipFill>
-          <a:blip r:embed="rId2"/>
-          <a:srcRect/>
-          <a:stretch>
-            <a:fillRect/>
-          </a:stretch>
-        </p:blipFill>
-        <p:spPr bwMode="auto">
-          <a:xfrm>
-            <a:off x="4729038" y="3047999"/>
-            <a:ext cx="2967162" cy="3082926"/>
-          </a:xfrm>
-          <a:prstGeom prst="rect">
-            <a:avLst/>
-          </a:prstGeom>
-          <a:noFill/>
-          <a:ln w="9525">
-            <a:noFill/>
-            <a:miter lim="800000"/>
-            <a:headEnd/>
-            <a:tailEnd/>
-          </a:ln>
-        </p:spPr>
-      </p:pic>
-      <p:pic>
-        <p:nvPicPr>
-          <p:cNvPr id="7" name="Picture 6">
-            <a:extLst>
-              <a:ext uri="{FF2B5EF4-FFF2-40B4-BE49-F238E27FC236}">
-                <a16:creationId xmlns:a16="http://schemas.microsoft.com/office/drawing/2014/main" id="{620CF128-5196-4C21-8ECA-408774A7BDEE}"/>
+                <a16:creationId xmlns:a16="http://schemas.microsoft.com/office/drawing/2014/main" id="{9967A677-8902-4397-9DF8-667C53C848B5}"/>
               </a:ext>
             </a:extLst>
           </p:cNvPr>
@@ -7007,7 +6987,7 @@
           <p:nvPr/>
         </p:nvPicPr>
         <p:blipFill>
-          <a:blip r:embed="rId3">
+          <a:blip r:embed="rId2">
             <a:extLst>
               <a:ext uri="{28A0092B-C50C-407E-A947-70E740481C1C}">
                 <a14:useLocalDpi xmlns:a14="http://schemas.microsoft.com/office/drawing/2010/main" val="0"/>
@@ -7020,8 +7000,8 @@
         </p:blipFill>
         <p:spPr>
           <a:xfrm>
-            <a:off x="1166438" y="3200400"/>
-            <a:ext cx="3248526" cy="2825081"/>
+            <a:off x="2947737" y="2057400"/>
+            <a:ext cx="3248526" cy="4073525"/>
           </a:xfrm>
           <a:prstGeom prst="rect">
             <a:avLst/>
@@ -7031,7 +7011,7 @@
     </p:spTree>
     <p:extLst>
       <p:ext uri="{BB962C8B-B14F-4D97-AF65-F5344CB8AC3E}">
-        <p14:creationId xmlns:p14="http://schemas.microsoft.com/office/powerpoint/2010/main" val="2138533124"/>
+        <p14:creationId xmlns:p14="http://schemas.microsoft.com/office/powerpoint/2010/main" val="3535376969"/>
       </p:ext>
     </p:extLst>
   </p:cSld>
@@ -7075,7 +7055,7 @@
           <p:cNvPr id="2" name="Title 1">
             <a:extLst>
               <a:ext uri="{FF2B5EF4-FFF2-40B4-BE49-F238E27FC236}">
-                <a16:creationId xmlns:a16="http://schemas.microsoft.com/office/drawing/2014/main" id="{5347B385-7BBC-4BB6-ADF1-B2A4315D56D9}"/>
+                <a16:creationId xmlns:a16="http://schemas.microsoft.com/office/drawing/2014/main" id="{3FD05205-6BEE-4412-B0CC-6D3ED269F217}"/>
               </a:ext>
             </a:extLst>
           </p:cNvPr>
@@ -7091,22 +7071,13 @@
           <a:bodyPr/>
           <a:lstStyle/>
           <a:p>
-            <a:pPr>
-              <a:lnSpc>
-                <a:spcPct val="150000"/>
-              </a:lnSpc>
-            </a:pPr>
-            <a:r>
-              <a:rPr lang="en-US" sz="4000" b="1" dirty="0">
+            <a:r>
+              <a:rPr lang="en-IN" b="1" dirty="0">
                 <a:latin typeface="Times New Roman" pitchFamily="18" charset="0"/>
                 <a:cs typeface="Times New Roman" pitchFamily="18" charset="0"/>
               </a:rPr>
-              <a:t>Follow and Unfollow Page </a:t>
-            </a:r>
-            <a:endParaRPr lang="en-IN" sz="4000" b="1" dirty="0">
-              <a:latin typeface="Times New Roman" pitchFamily="18" charset="0"/>
-              <a:cs typeface="Times New Roman" pitchFamily="18" charset="0"/>
-            </a:endParaRPr>
+              <a:t>Trip Page </a:t>
+            </a:r>
           </a:p>
         </p:txBody>
       </p:sp>
@@ -7115,7 +7086,7 @@
           <p:cNvPr id="3" name="Content Placeholder 2">
             <a:extLst>
               <a:ext uri="{FF2B5EF4-FFF2-40B4-BE49-F238E27FC236}">
-                <a16:creationId xmlns:a16="http://schemas.microsoft.com/office/drawing/2014/main" id="{3729E162-D253-4C3D-88AA-003916713B06}"/>
+                <a16:creationId xmlns:a16="http://schemas.microsoft.com/office/drawing/2014/main" id="{C91D736F-0310-49D2-9E0F-A732ED3B8A56}"/>
               </a:ext>
             </a:extLst>
           </p:cNvPr>
@@ -7128,8 +7099,8 @@
         </p:nvSpPr>
         <p:spPr>
           <a:xfrm>
-            <a:off x="457200" y="1143000"/>
-            <a:ext cx="8229600" cy="4987925"/>
+            <a:off x="457200" y="1196752"/>
+            <a:ext cx="8229600" cy="4934173"/>
           </a:xfrm>
         </p:spPr>
         <p:txBody>
@@ -7150,11 +7121,7 @@
                 <a:latin typeface="Times New Roman" panose="02020603050405020304" pitchFamily="18" charset="0"/>
                 <a:cs typeface="Times New Roman" panose="02020603050405020304" pitchFamily="18" charset="0"/>
               </a:rPr>
-              <a:t>If user does not follow the trip he can’t chat with the trip planner</a:t>
-            </a:r>
-            <a:r>
-              <a:rPr lang="en-US" dirty="0"/>
-              <a:t>.</a:t>
+              <a:t>Trip page, in this page it will show the planed trips by the users and others. If the user follow the trip he chat with the trip planner about the trip.</a:t>
             </a:r>
           </a:p>
           <a:p>
@@ -7172,7 +7139,7 @@
                 <a:latin typeface="Times New Roman" panose="02020603050405020304" pitchFamily="18" charset="0"/>
                 <a:cs typeface="Times New Roman" panose="02020603050405020304" pitchFamily="18" charset="0"/>
               </a:rPr>
-              <a:t>If the user follows a trip he can chat with the trip planner about the trip.</a:t>
+              <a:t>Add Trip, here the user can add a trip.</a:t>
             </a:r>
             <a:endParaRPr lang="en-IN" sz="2000" dirty="0">
               <a:latin typeface="Times New Roman" panose="02020603050405020304" pitchFamily="18" charset="0"/>
@@ -7183,20 +7150,18 @@
       </p:sp>
       <p:pic>
         <p:nvPicPr>
-          <p:cNvPr id="7" name="Picture 6">
+          <p:cNvPr id="6" name="Picture 5">
             <a:extLst>
               <a:ext uri="{FF2B5EF4-FFF2-40B4-BE49-F238E27FC236}">
-                <a16:creationId xmlns:a16="http://schemas.microsoft.com/office/drawing/2014/main" id="{411D95C7-D866-43F1-9FB2-E4E392666D5B}"/>
+                <a16:creationId xmlns:a16="http://schemas.microsoft.com/office/drawing/2014/main" id="{9687539E-D0E0-4C3A-8014-14E5E0C9901E}"/>
               </a:ext>
             </a:extLst>
           </p:cNvPr>
-          <p:cNvPicPr>
-            <a:picLocks noChangeAspect="1"/>
-          </p:cNvPicPr>
+          <p:cNvPicPr/>
           <p:nvPr/>
         </p:nvPicPr>
         <p:blipFill>
-          <a:blip r:embed="rId2">
+          <a:blip r:embed="rId2" cstate="print">
             <a:extLst>
               <a:ext uri="{28A0092B-C50C-407E-A947-70E740481C1C}">
                 <a14:useLocalDpi xmlns:a14="http://schemas.microsoft.com/office/drawing/2010/main" val="0"/>
@@ -7209,8 +7174,8 @@
         </p:blipFill>
         <p:spPr>
           <a:xfrm>
-            <a:off x="1143000" y="2843968"/>
-            <a:ext cx="3124200" cy="3276600"/>
+            <a:off x="1985367" y="3047999"/>
+            <a:ext cx="2415540" cy="3009900"/>
           </a:xfrm>
           <a:prstGeom prst="rect">
             <a:avLst/>
@@ -7219,20 +7184,18 @@
       </p:pic>
       <p:pic>
         <p:nvPicPr>
-          <p:cNvPr id="9" name="Picture 8">
+          <p:cNvPr id="8" name="Picture 7">
             <a:extLst>
               <a:ext uri="{FF2B5EF4-FFF2-40B4-BE49-F238E27FC236}">
-                <a16:creationId xmlns:a16="http://schemas.microsoft.com/office/drawing/2014/main" id="{FC9CF21A-B7DF-460B-9033-142CF97E1C14}"/>
+                <a16:creationId xmlns:a16="http://schemas.microsoft.com/office/drawing/2014/main" id="{EC08B7D5-F037-4BD5-A42A-4F85CE405536}"/>
               </a:ext>
             </a:extLst>
           </p:cNvPr>
-          <p:cNvPicPr>
-            <a:picLocks noChangeAspect="1"/>
-          </p:cNvPicPr>
+          <p:cNvPicPr/>
           <p:nvPr/>
         </p:nvPicPr>
         <p:blipFill>
-          <a:blip r:embed="rId3">
+          <a:blip r:embed="rId3" cstate="print">
             <a:extLst>
               <a:ext uri="{28A0092B-C50C-407E-A947-70E740481C1C}">
                 <a14:useLocalDpi xmlns:a14="http://schemas.microsoft.com/office/drawing/2010/main" val="0"/>
@@ -7245,8 +7208,8 @@
         </p:blipFill>
         <p:spPr>
           <a:xfrm>
-            <a:off x="4419600" y="2816595"/>
-            <a:ext cx="3124201" cy="3314330"/>
+            <a:off x="4426347" y="3025805"/>
+            <a:ext cx="2660254" cy="3169920"/>
           </a:xfrm>
           <a:prstGeom prst="rect">
             <a:avLst/>
@@ -7256,7 +7219,7 @@
     </p:spTree>
     <p:extLst>
       <p:ext uri="{BB962C8B-B14F-4D97-AF65-F5344CB8AC3E}">
-        <p14:creationId xmlns:p14="http://schemas.microsoft.com/office/powerpoint/2010/main" val="891474303"/>
+        <p14:creationId xmlns:p14="http://schemas.microsoft.com/office/powerpoint/2010/main" val="2138533124"/>
       </p:ext>
     </p:extLst>
   </p:cSld>
@@ -7300,7 +7263,7 @@
           <p:cNvPr id="2" name="Title 1">
             <a:extLst>
               <a:ext uri="{FF2B5EF4-FFF2-40B4-BE49-F238E27FC236}">
-                <a16:creationId xmlns:a16="http://schemas.microsoft.com/office/drawing/2014/main" id="{A81D8F14-3E7A-4F12-823A-397E9545496E}"/>
+                <a16:creationId xmlns:a16="http://schemas.microsoft.com/office/drawing/2014/main" id="{5347B385-7BBC-4BB6-ADF1-B2A4315D56D9}"/>
               </a:ext>
             </a:extLst>
           </p:cNvPr>
@@ -7312,6 +7275,51 @@
           </p:nvPr>
         </p:nvSpPr>
         <p:spPr/>
+        <p:txBody>
+          <a:bodyPr/>
+          <a:lstStyle/>
+          <a:p>
+            <a:pPr>
+              <a:lnSpc>
+                <a:spcPct val="150000"/>
+              </a:lnSpc>
+            </a:pPr>
+            <a:r>
+              <a:rPr lang="en-US" sz="4000" b="1" dirty="0">
+                <a:latin typeface="Times New Roman" pitchFamily="18" charset="0"/>
+                <a:cs typeface="Times New Roman" pitchFamily="18" charset="0"/>
+              </a:rPr>
+              <a:t>Follow and Unfollow Page </a:t>
+            </a:r>
+            <a:endParaRPr lang="en-IN" sz="4000" b="1" dirty="0">
+              <a:latin typeface="Times New Roman" pitchFamily="18" charset="0"/>
+              <a:cs typeface="Times New Roman" pitchFamily="18" charset="0"/>
+            </a:endParaRPr>
+          </a:p>
+        </p:txBody>
+      </p:sp>
+      <p:sp>
+        <p:nvSpPr>
+          <p:cNvPr id="3" name="Content Placeholder 2">
+            <a:extLst>
+              <a:ext uri="{FF2B5EF4-FFF2-40B4-BE49-F238E27FC236}">
+                <a16:creationId xmlns:a16="http://schemas.microsoft.com/office/drawing/2014/main" id="{3729E162-D253-4C3D-88AA-003916713B06}"/>
+              </a:ext>
+            </a:extLst>
+          </p:cNvPr>
+          <p:cNvSpPr>
+            <a:spLocks noGrp="1"/>
+          </p:cNvSpPr>
+          <p:nvPr>
+            <p:ph idx="1"/>
+          </p:nvPr>
+        </p:nvSpPr>
+        <p:spPr>
+          <a:xfrm>
+            <a:off x="457200" y="1143000"/>
+            <a:ext cx="8229600" cy="4987925"/>
+          </a:xfrm>
+        </p:spPr>
         <p:txBody>
           <a:bodyPr/>
           <a:lstStyle/>
@@ -7320,114 +7328,123 @@
               <a:lnSpc>
                 <a:spcPct val="150000"/>
               </a:lnSpc>
-            </a:pPr>
-            <a:r>
-              <a:rPr lang="en-IN" sz="4000" b="1" dirty="0">
-                <a:latin typeface="Times New Roman" panose="02020603050405020304" pitchFamily="18" charset="0"/>
-                <a:cs typeface="Times New Roman" panose="02020603050405020304" pitchFamily="18" charset="0"/>
-              </a:rPr>
-              <a:t>Conclusion</a:t>
-            </a:r>
-          </a:p>
-        </p:txBody>
-      </p:sp>
-      <p:sp>
-        <p:nvSpPr>
-          <p:cNvPr id="3" name="Content Placeholder 2">
-            <a:extLst>
-              <a:ext uri="{FF2B5EF4-FFF2-40B4-BE49-F238E27FC236}">
-                <a16:creationId xmlns:a16="http://schemas.microsoft.com/office/drawing/2014/main" id="{75C66A58-DAA7-4E44-8F62-490A01E635B3}"/>
-              </a:ext>
-            </a:extLst>
-          </p:cNvPr>
-          <p:cNvSpPr>
-            <a:spLocks noGrp="1"/>
-          </p:cNvSpPr>
-          <p:nvPr>
-            <p:ph idx="1"/>
-          </p:nvPr>
-        </p:nvSpPr>
-        <p:spPr>
-          <a:xfrm>
-            <a:off x="457200" y="1219200"/>
-            <a:ext cx="8229600" cy="4911725"/>
-          </a:xfrm>
-        </p:spPr>
-        <p:txBody>
-          <a:bodyPr/>
-          <a:lstStyle/>
-          <a:p>
-            <a:pPr marL="0" indent="0" algn="just">
-              <a:lnSpc>
-                <a:spcPct val="150000"/>
-              </a:lnSpc>
-              <a:buNone/>
-            </a:pPr>
-            <a:r>
-              <a:rPr lang="en-IN" sz="2000" dirty="0">
-                <a:latin typeface="Times New Roman" panose="02020603050405020304" pitchFamily="18" charset="0"/>
-                <a:cs typeface="Times New Roman" panose="02020603050405020304" pitchFamily="18" charset="0"/>
-              </a:rPr>
-              <a:t>	</a:t>
-            </a:r>
-            <a:r>
-              <a:rPr lang="en-IN" sz="2000">
-                <a:latin typeface="Times New Roman" panose="02020603050405020304" pitchFamily="18" charset="0"/>
-                <a:cs typeface="Times New Roman" panose="02020603050405020304" pitchFamily="18" charset="0"/>
-              </a:rPr>
-              <a:t>Travel Planner </a:t>
-            </a:r>
+              <a:buClrTx/>
+              <a:buSzPct val="100000"/>
+              <a:buFont typeface="Wingdings" panose="05000000000000000000" pitchFamily="2" charset="2"/>
+              <a:buChar char="Ø"/>
+            </a:pPr>
             <a:r>
               <a:rPr lang="en-US" sz="2000" dirty="0">
                 <a:latin typeface="Times New Roman" panose="02020603050405020304" pitchFamily="18" charset="0"/>
                 <a:cs typeface="Times New Roman" panose="02020603050405020304" pitchFamily="18" charset="0"/>
               </a:rPr>
-              <a:t>is helpful for users to Travel and easy to communicate with others and collaborate to go the Trip through this application. This application is portable and can be easily installed and used on any mobile phones supporting Android OS. The use of this system is get information about the place they need to travel and post their pictures as a memory and get complements and likes from others through this application. It consists of some data about the tourist place who are visited the places and also provides an interface which is easy to understand by the users and greatly helps in adapting to the use of this system. </a:t>
-            </a:r>
-          </a:p>
-          <a:p>
-            <a:pPr marL="0" indent="0">
-              <a:buNone/>
+              <a:t>If user does not follow the trip he can’t chat with the trip planner</a:t>
+            </a:r>
+            <a:r>
+              <a:rPr lang="en-US" dirty="0"/>
+              <a:t>.</a:t>
+            </a:r>
+          </a:p>
+          <a:p>
+            <a:pPr algn="just">
+              <a:lnSpc>
+                <a:spcPct val="150000"/>
+              </a:lnSpc>
+              <a:buClrTx/>
+              <a:buSzPct val="100000"/>
+              <a:buFont typeface="Wingdings" panose="05000000000000000000" pitchFamily="2" charset="2"/>
+              <a:buChar char="Ø"/>
             </a:pPr>
             <a:r>
               <a:rPr lang="en-US" sz="2000" dirty="0">
                 <a:latin typeface="Times New Roman" panose="02020603050405020304" pitchFamily="18" charset="0"/>
                 <a:cs typeface="Times New Roman" panose="02020603050405020304" pitchFamily="18" charset="0"/>
               </a:rPr>
-              <a:t> </a:t>
-            </a:r>
-          </a:p>
-          <a:p>
-            <a:pPr marL="0" indent="0">
-              <a:buNone/>
-            </a:pPr>
-            <a:r>
-              <a:rPr lang="en-US" sz="2000" dirty="0">
-                <a:latin typeface="Times New Roman" panose="02020603050405020304" pitchFamily="18" charset="0"/>
-                <a:cs typeface="Times New Roman" panose="02020603050405020304" pitchFamily="18" charset="0"/>
-              </a:rPr>
-              <a:t> </a:t>
+              <a:t>If the user follows a trip he can chat with the trip planner about the trip.</a:t>
             </a:r>
             <a:endParaRPr lang="en-IN" sz="2000" dirty="0">
               <a:latin typeface="Times New Roman" panose="02020603050405020304" pitchFamily="18" charset="0"/>
               <a:cs typeface="Times New Roman" panose="02020603050405020304" pitchFamily="18" charset="0"/>
             </a:endParaRPr>
           </a:p>
-          <a:p>
-            <a:pPr marL="0" indent="0">
-              <a:buNone/>
-            </a:pPr>
-            <a:endParaRPr lang="en-IN" sz="2000" dirty="0">
-              <a:latin typeface="Times New Roman" panose="02020603050405020304" pitchFamily="18" charset="0"/>
-              <a:cs typeface="Times New Roman" panose="02020603050405020304" pitchFamily="18" charset="0"/>
-            </a:endParaRPr>
-          </a:p>
-        </p:txBody>
-      </p:sp>
+        </p:txBody>
+      </p:sp>
+      <p:pic>
+        <p:nvPicPr>
+          <p:cNvPr id="7" name="Picture 6">
+            <a:extLst>
+              <a:ext uri="{FF2B5EF4-FFF2-40B4-BE49-F238E27FC236}">
+                <a16:creationId xmlns:a16="http://schemas.microsoft.com/office/drawing/2014/main" id="{411D95C7-D866-43F1-9FB2-E4E392666D5B}"/>
+              </a:ext>
+            </a:extLst>
+          </p:cNvPr>
+          <p:cNvPicPr>
+            <a:picLocks noChangeAspect="1"/>
+          </p:cNvPicPr>
+          <p:nvPr/>
+        </p:nvPicPr>
+        <p:blipFill>
+          <a:blip r:embed="rId2">
+            <a:extLst>
+              <a:ext uri="{28A0092B-C50C-407E-A947-70E740481C1C}">
+                <a14:useLocalDpi xmlns:a14="http://schemas.microsoft.com/office/drawing/2010/main" val="0"/>
+              </a:ext>
+            </a:extLst>
+          </a:blip>
+          <a:stretch>
+            <a:fillRect/>
+          </a:stretch>
+        </p:blipFill>
+        <p:spPr>
+          <a:xfrm>
+            <a:off x="1143000" y="2843968"/>
+            <a:ext cx="3124200" cy="3276600"/>
+          </a:xfrm>
+          <a:prstGeom prst="rect">
+            <a:avLst/>
+          </a:prstGeom>
+        </p:spPr>
+      </p:pic>
+      <p:pic>
+        <p:nvPicPr>
+          <p:cNvPr id="9" name="Picture 8">
+            <a:extLst>
+              <a:ext uri="{FF2B5EF4-FFF2-40B4-BE49-F238E27FC236}">
+                <a16:creationId xmlns:a16="http://schemas.microsoft.com/office/drawing/2014/main" id="{FC9CF21A-B7DF-460B-9033-142CF97E1C14}"/>
+              </a:ext>
+            </a:extLst>
+          </p:cNvPr>
+          <p:cNvPicPr>
+            <a:picLocks noChangeAspect="1"/>
+          </p:cNvPicPr>
+          <p:nvPr/>
+        </p:nvPicPr>
+        <p:blipFill>
+          <a:blip r:embed="rId3">
+            <a:extLst>
+              <a:ext uri="{28A0092B-C50C-407E-A947-70E740481C1C}">
+                <a14:useLocalDpi xmlns:a14="http://schemas.microsoft.com/office/drawing/2010/main" val="0"/>
+              </a:ext>
+            </a:extLst>
+          </a:blip>
+          <a:stretch>
+            <a:fillRect/>
+          </a:stretch>
+        </p:blipFill>
+        <p:spPr>
+          <a:xfrm>
+            <a:off x="4419600" y="2816595"/>
+            <a:ext cx="3124201" cy="3314330"/>
+          </a:xfrm>
+          <a:prstGeom prst="rect">
+            <a:avLst/>
+          </a:prstGeom>
+        </p:spPr>
+      </p:pic>
     </p:spTree>
     <p:extLst>
       <p:ext uri="{BB962C8B-B14F-4D97-AF65-F5344CB8AC3E}">
-        <p14:creationId xmlns:p14="http://schemas.microsoft.com/office/powerpoint/2010/main" val="2689610"/>
+        <p14:creationId xmlns:p14="http://schemas.microsoft.com/office/powerpoint/2010/main" val="891474303"/>
       </p:ext>
     </p:extLst>
   </p:cSld>
@@ -7864,7 +7881,7 @@
           <p:cNvPr id="2" name="Title 1">
             <a:extLst>
               <a:ext uri="{FF2B5EF4-FFF2-40B4-BE49-F238E27FC236}">
-                <a16:creationId xmlns:a16="http://schemas.microsoft.com/office/drawing/2014/main" id="{E441DA56-6091-4C62-AECC-6DF4DE670B33}"/>
+                <a16:creationId xmlns:a16="http://schemas.microsoft.com/office/drawing/2014/main" id="{A81D8F14-3E7A-4F12-823A-397E9545496E}"/>
               </a:ext>
             </a:extLst>
           </p:cNvPr>
@@ -7890,7 +7907,7 @@
                 <a:latin typeface="Times New Roman" panose="02020603050405020304" pitchFamily="18" charset="0"/>
                 <a:cs typeface="Times New Roman" panose="02020603050405020304" pitchFamily="18" charset="0"/>
               </a:rPr>
-              <a:t>Bibliography</a:t>
+              <a:t>Conclusion</a:t>
             </a:r>
           </a:p>
         </p:txBody>
@@ -7900,7 +7917,7 @@
           <p:cNvPr id="3" name="Content Placeholder 2">
             <a:extLst>
               <a:ext uri="{FF2B5EF4-FFF2-40B4-BE49-F238E27FC236}">
-                <a16:creationId xmlns:a16="http://schemas.microsoft.com/office/drawing/2014/main" id="{725A5177-530E-4B07-B0F9-CDE4847DBBCC}"/>
+                <a16:creationId xmlns:a16="http://schemas.microsoft.com/office/drawing/2014/main" id="{75C66A58-DAA7-4E44-8F62-490A01E635B3}"/>
               </a:ext>
             </a:extLst>
           </p:cNvPr>
@@ -7913,131 +7930,85 @@
         </p:nvSpPr>
         <p:spPr>
           <a:xfrm>
-            <a:off x="457200" y="1143000"/>
-            <a:ext cx="8229600" cy="4987925"/>
+            <a:off x="457200" y="1219200"/>
+            <a:ext cx="8229600" cy="4911725"/>
           </a:xfrm>
         </p:spPr>
         <p:txBody>
           <a:bodyPr/>
           <a:lstStyle/>
           <a:p>
-            <a:pPr algn="just">
+            <a:pPr marL="0" indent="0" algn="just">
               <a:lnSpc>
                 <a:spcPct val="150000"/>
               </a:lnSpc>
-              <a:buClrTx/>
-              <a:buSzPct val="100000"/>
-              <a:buFont typeface="Wingdings" panose="05000000000000000000" pitchFamily="2" charset="2"/>
-              <a:buChar char="Ø"/>
-            </a:pPr>
+              <a:buNone/>
+            </a:pPr>
+            <a:r>
+              <a:rPr lang="en-IN" sz="2000" dirty="0">
+                <a:latin typeface="Times New Roman" panose="02020603050405020304" pitchFamily="18" charset="0"/>
+                <a:cs typeface="Times New Roman" panose="02020603050405020304" pitchFamily="18" charset="0"/>
+              </a:rPr>
+              <a:t>	</a:t>
+            </a:r>
+            <a:r>
+              <a:rPr lang="en-IN" sz="2000">
+                <a:latin typeface="Times New Roman" panose="02020603050405020304" pitchFamily="18" charset="0"/>
+                <a:cs typeface="Times New Roman" panose="02020603050405020304" pitchFamily="18" charset="0"/>
+              </a:rPr>
+              <a:t>Travel Planner </a:t>
+            </a:r>
             <a:r>
               <a:rPr lang="en-US" sz="2000" dirty="0">
                 <a:latin typeface="Times New Roman" panose="02020603050405020304" pitchFamily="18" charset="0"/>
                 <a:cs typeface="Times New Roman" panose="02020603050405020304" pitchFamily="18" charset="0"/>
               </a:rPr>
-              <a:t>Bibliography 1:</a:t>
-            </a:r>
-          </a:p>
-          <a:p>
-            <a:pPr algn="just">
-              <a:lnSpc>
-                <a:spcPct val="150000"/>
-              </a:lnSpc>
-              <a:buClrTx/>
-              <a:buSzPct val="100000"/>
-              <a:buFont typeface="Wingdings" panose="05000000000000000000" pitchFamily="2" charset="2"/>
-              <a:buChar char="Ø"/>
+              <a:t>is helpful for users to Travel and easy to communicate with others and collaborate to go the Trip through this application. This application is portable and can be easily installed and used on any mobile phones supporting Android OS. The use of this system is get information about the place they need to travel and post their pictures as a memory and get complements and likes from others through this application. It consists of some data about the tourist place who are visited the places and also provides an interface which is easy to understand by the users and greatly helps in adapting to the use of this system. </a:t>
+            </a:r>
+          </a:p>
+          <a:p>
+            <a:pPr marL="0" indent="0">
+              <a:buNone/>
             </a:pPr>
             <a:r>
               <a:rPr lang="en-US" sz="2000" dirty="0">
                 <a:latin typeface="Times New Roman" panose="02020603050405020304" pitchFamily="18" charset="0"/>
                 <a:cs typeface="Times New Roman" panose="02020603050405020304" pitchFamily="18" charset="0"/>
               </a:rPr>
-              <a:t>Title: Tourism Guide for Tamilnadu (Android Application) </a:t>
-            </a:r>
-          </a:p>
-          <a:p>
-            <a:pPr algn="just">
-              <a:lnSpc>
-                <a:spcPct val="150000"/>
-              </a:lnSpc>
-              <a:buClrTx/>
-              <a:buSzPct val="100000"/>
-              <a:buFont typeface="Wingdings" panose="05000000000000000000" pitchFamily="2" charset="2"/>
-              <a:buChar char="Ø"/>
+              <a:t> </a:t>
+            </a:r>
+          </a:p>
+          <a:p>
+            <a:pPr marL="0" indent="0">
+              <a:buNone/>
             </a:pPr>
             <a:r>
               <a:rPr lang="en-US" sz="2000" dirty="0">
                 <a:latin typeface="Times New Roman" panose="02020603050405020304" pitchFamily="18" charset="0"/>
                 <a:cs typeface="Times New Roman" panose="02020603050405020304" pitchFamily="18" charset="0"/>
               </a:rPr>
-              <a:t>Authors: P. K. Jithin , P. Prasath, M. Vishnuram, J. T. Thirukrishna </a:t>
-            </a:r>
-          </a:p>
-          <a:p>
-            <a:pPr algn="just">
-              <a:lnSpc>
-                <a:spcPct val="150000"/>
-              </a:lnSpc>
-              <a:buClrTx/>
-              <a:buSzPct val="100000"/>
-              <a:buFont typeface="Wingdings" panose="05000000000000000000" pitchFamily="2" charset="2"/>
-              <a:buChar char="Ø"/>
-            </a:pPr>
-            <a:r>
-              <a:rPr lang="en-US" sz="2000" dirty="0">
-                <a:latin typeface="Times New Roman" panose="02020603050405020304" pitchFamily="18" charset="0"/>
-                <a:cs typeface="Times New Roman" panose="02020603050405020304" pitchFamily="18" charset="0"/>
-              </a:rPr>
-              <a:t>Published on: April 2018 </a:t>
-            </a:r>
-          </a:p>
-          <a:p>
-            <a:pPr algn="just">
-              <a:lnSpc>
-                <a:spcPct val="150000"/>
-              </a:lnSpc>
-              <a:buClrTx/>
-              <a:buSzPct val="100000"/>
-              <a:buFont typeface="Wingdings" panose="05000000000000000000" pitchFamily="2" charset="2"/>
-              <a:buChar char="Ø"/>
-            </a:pPr>
-            <a:r>
-              <a:rPr lang="en-US" sz="2000" dirty="0">
-                <a:latin typeface="Times New Roman" panose="02020603050405020304" pitchFamily="18" charset="0"/>
-                <a:cs typeface="Times New Roman" panose="02020603050405020304" pitchFamily="18" charset="0"/>
-              </a:rPr>
-              <a:t>In this paper Author presents find the details of the tourist place which the user wants to visit. </a:t>
-            </a:r>
-          </a:p>
-          <a:p>
-            <a:pPr algn="just">
-              <a:lnSpc>
-                <a:spcPct val="150000"/>
-              </a:lnSpc>
-              <a:buClrTx/>
-              <a:buSzPct val="100000"/>
-              <a:buFont typeface="Wingdings" panose="05000000000000000000" pitchFamily="2" charset="2"/>
-              <a:buChar char="Ø"/>
-            </a:pPr>
-            <a:r>
-              <a:rPr lang="en-US" sz="2000" dirty="0">
-                <a:latin typeface="Times New Roman" panose="02020603050405020304" pitchFamily="18" charset="0"/>
-                <a:cs typeface="Times New Roman" panose="02020603050405020304" pitchFamily="18" charset="0"/>
-              </a:rPr>
-              <a:t>It can realize to query information for various places and gives multi output and hence it has more practical significance.</a:t>
+              <a:t> </a:t>
             </a:r>
             <a:endParaRPr lang="en-IN" sz="2000" dirty="0">
               <a:latin typeface="Times New Roman" panose="02020603050405020304" pitchFamily="18" charset="0"/>
               <a:cs typeface="Times New Roman" panose="02020603050405020304" pitchFamily="18" charset="0"/>
             </a:endParaRPr>
           </a:p>
+          <a:p>
+            <a:pPr marL="0" indent="0">
+              <a:buNone/>
+            </a:pPr>
+            <a:endParaRPr lang="en-IN" sz="2000" dirty="0">
+              <a:latin typeface="Times New Roman" panose="02020603050405020304" pitchFamily="18" charset="0"/>
+              <a:cs typeface="Times New Roman" panose="02020603050405020304" pitchFamily="18" charset="0"/>
+            </a:endParaRPr>
+          </a:p>
         </p:txBody>
       </p:sp>
     </p:spTree>
     <p:extLst>
       <p:ext uri="{BB962C8B-B14F-4D97-AF65-F5344CB8AC3E}">
-        <p14:creationId xmlns:p14="http://schemas.microsoft.com/office/powerpoint/2010/main" val="1505482271"/>
+        <p14:creationId xmlns:p14="http://schemas.microsoft.com/office/powerpoint/2010/main" val="2689610"/>
       </p:ext>
     </p:extLst>
   </p:cSld>
@@ -8081,7 +8052,7 @@
           <p:cNvPr id="2" name="Title 1">
             <a:extLst>
               <a:ext uri="{FF2B5EF4-FFF2-40B4-BE49-F238E27FC236}">
-                <a16:creationId xmlns:a16="http://schemas.microsoft.com/office/drawing/2014/main" id="{883B139F-7C04-454A-A0C7-AC44A025011E}"/>
+                <a16:creationId xmlns:a16="http://schemas.microsoft.com/office/drawing/2014/main" id="{E441DA56-6091-4C62-AECC-6DF4DE670B33}"/>
               </a:ext>
             </a:extLst>
           </p:cNvPr>
@@ -8097,17 +8068,18 @@
           <a:bodyPr/>
           <a:lstStyle/>
           <a:p>
-            <a:r>
-              <a:rPr lang="en-US" sz="4000" b="1" dirty="0">
-                <a:latin typeface="Times New Roman" pitchFamily="18" charset="0"/>
-                <a:cs typeface="Times New Roman" pitchFamily="18" charset="0"/>
+            <a:pPr algn="just">
+              <a:lnSpc>
+                <a:spcPct val="150000"/>
+              </a:lnSpc>
+            </a:pPr>
+            <a:r>
+              <a:rPr lang="en-IN" sz="4000" b="1" dirty="0">
+                <a:latin typeface="Times New Roman" panose="02020603050405020304" pitchFamily="18" charset="0"/>
+                <a:cs typeface="Times New Roman" panose="02020603050405020304" pitchFamily="18" charset="0"/>
               </a:rPr>
-              <a:t>Conti..</a:t>
-            </a:r>
-            <a:endParaRPr lang="en-IN" sz="4000" b="1" dirty="0">
-              <a:latin typeface="Times New Roman" pitchFamily="18" charset="0"/>
-              <a:cs typeface="Times New Roman" pitchFamily="18" charset="0"/>
-            </a:endParaRPr>
+              <a:t>Bibliography</a:t>
+            </a:r>
           </a:p>
         </p:txBody>
       </p:sp>
@@ -8116,7 +8088,7 @@
           <p:cNvPr id="3" name="Content Placeholder 2">
             <a:extLst>
               <a:ext uri="{FF2B5EF4-FFF2-40B4-BE49-F238E27FC236}">
-                <a16:creationId xmlns:a16="http://schemas.microsoft.com/office/drawing/2014/main" id="{EE26EB65-5C76-480C-B067-A6CBD2F80A2E}"/>
+                <a16:creationId xmlns:a16="http://schemas.microsoft.com/office/drawing/2014/main" id="{725A5177-530E-4B07-B0F9-CDE4847DBBCC}"/>
               </a:ext>
             </a:extLst>
           </p:cNvPr>
@@ -8129,8 +8101,8 @@
         </p:nvSpPr>
         <p:spPr>
           <a:xfrm>
-            <a:off x="457200" y="990600"/>
-            <a:ext cx="8229600" cy="5140325"/>
+            <a:off x="457200" y="1143000"/>
+            <a:ext cx="8229600" cy="4987925"/>
           </a:xfrm>
         </p:spPr>
         <p:txBody>
@@ -8151,7 +8123,7 @@
                 <a:latin typeface="Times New Roman" panose="02020603050405020304" pitchFamily="18" charset="0"/>
                 <a:cs typeface="Times New Roman" panose="02020603050405020304" pitchFamily="18" charset="0"/>
               </a:rPr>
-              <a:t>Bibliography 2:</a:t>
+              <a:t>Bibliography 1:</a:t>
             </a:r>
           </a:p>
           <a:p>
@@ -8169,7 +8141,7 @@
                 <a:latin typeface="Times New Roman" panose="02020603050405020304" pitchFamily="18" charset="0"/>
                 <a:cs typeface="Times New Roman" panose="02020603050405020304" pitchFamily="18" charset="0"/>
               </a:rPr>
-              <a:t>Title: Tourist experience expectations: questionnaire development and text narrative analysis</a:t>
+              <a:t>Title: Tourism Guide for Tamilnadu (Android Application) </a:t>
             </a:r>
           </a:p>
           <a:p>
@@ -8187,7 +8159,7 @@
                 <a:latin typeface="Times New Roman" panose="02020603050405020304" pitchFamily="18" charset="0"/>
                 <a:cs typeface="Times New Roman" panose="02020603050405020304" pitchFamily="18" charset="0"/>
               </a:rPr>
-              <a:t>Authors: Chieh-Wen Sheng and Ming-Chia Chen</a:t>
+              <a:t>Authors: P. K. Jithin , P. Prasath, M. Vishnuram, J. T. Thirukrishna </a:t>
             </a:r>
           </a:p>
           <a:p>
@@ -8205,7 +8177,7 @@
                 <a:latin typeface="Times New Roman" panose="02020603050405020304" pitchFamily="18" charset="0"/>
                 <a:cs typeface="Times New Roman" panose="02020603050405020304" pitchFamily="18" charset="0"/>
               </a:rPr>
-              <a:t>Published on: 22 February 2015</a:t>
+              <a:t>Published on: April 2018 </a:t>
             </a:r>
           </a:p>
           <a:p>
@@ -8223,7 +8195,7 @@
                 <a:latin typeface="Times New Roman" panose="02020603050405020304" pitchFamily="18" charset="0"/>
                 <a:cs typeface="Times New Roman" panose="02020603050405020304" pitchFamily="18" charset="0"/>
               </a:rPr>
-              <a:t>In this paper Author presents including various experiences of speciﬁc events or daily life during the trip. </a:t>
+              <a:t>In this paper Author presents find the details of the tourist place which the user wants to visit. </a:t>
             </a:r>
           </a:p>
           <a:p>
@@ -8241,18 +8213,19 @@
                 <a:latin typeface="Times New Roman" panose="02020603050405020304" pitchFamily="18" charset="0"/>
                 <a:cs typeface="Times New Roman" panose="02020603050405020304" pitchFamily="18" charset="0"/>
               </a:rPr>
-              <a:t>Tourist experience expectations are the output between tourists and tourism systems before the trip. </a:t>
-            </a:r>
-          </a:p>
-          <a:p>
-            <a:endParaRPr lang="en-IN" dirty="0"/>
+              <a:t>It can realize to query information for various places and gives multi output and hence it has more practical significance.</a:t>
+            </a:r>
+            <a:endParaRPr lang="en-IN" sz="2000" dirty="0">
+              <a:latin typeface="Times New Roman" panose="02020603050405020304" pitchFamily="18" charset="0"/>
+              <a:cs typeface="Times New Roman" panose="02020603050405020304" pitchFamily="18" charset="0"/>
+            </a:endParaRPr>
           </a:p>
         </p:txBody>
       </p:sp>
     </p:spTree>
     <p:extLst>
       <p:ext uri="{BB962C8B-B14F-4D97-AF65-F5344CB8AC3E}">
-        <p14:creationId xmlns:p14="http://schemas.microsoft.com/office/powerpoint/2010/main" val="903347409"/>
+        <p14:creationId xmlns:p14="http://schemas.microsoft.com/office/powerpoint/2010/main" val="1505482271"/>
       </p:ext>
     </p:extLst>
   </p:cSld>
@@ -8296,6 +8269,221 @@
           <p:cNvPr id="2" name="Title 1">
             <a:extLst>
               <a:ext uri="{FF2B5EF4-FFF2-40B4-BE49-F238E27FC236}">
+                <a16:creationId xmlns:a16="http://schemas.microsoft.com/office/drawing/2014/main" id="{883B139F-7C04-454A-A0C7-AC44A025011E}"/>
+              </a:ext>
+            </a:extLst>
+          </p:cNvPr>
+          <p:cNvSpPr>
+            <a:spLocks noGrp="1"/>
+          </p:cNvSpPr>
+          <p:nvPr>
+            <p:ph type="title"/>
+          </p:nvPr>
+        </p:nvSpPr>
+        <p:spPr/>
+        <p:txBody>
+          <a:bodyPr/>
+          <a:lstStyle/>
+          <a:p>
+            <a:r>
+              <a:rPr lang="en-US" sz="4000" b="1" dirty="0">
+                <a:latin typeface="Times New Roman" pitchFamily="18" charset="0"/>
+                <a:cs typeface="Times New Roman" pitchFamily="18" charset="0"/>
+              </a:rPr>
+              <a:t>Conti..</a:t>
+            </a:r>
+            <a:endParaRPr lang="en-IN" sz="4000" b="1" dirty="0">
+              <a:latin typeface="Times New Roman" pitchFamily="18" charset="0"/>
+              <a:cs typeface="Times New Roman" pitchFamily="18" charset="0"/>
+            </a:endParaRPr>
+          </a:p>
+        </p:txBody>
+      </p:sp>
+      <p:sp>
+        <p:nvSpPr>
+          <p:cNvPr id="3" name="Content Placeholder 2">
+            <a:extLst>
+              <a:ext uri="{FF2B5EF4-FFF2-40B4-BE49-F238E27FC236}">
+                <a16:creationId xmlns:a16="http://schemas.microsoft.com/office/drawing/2014/main" id="{EE26EB65-5C76-480C-B067-A6CBD2F80A2E}"/>
+              </a:ext>
+            </a:extLst>
+          </p:cNvPr>
+          <p:cNvSpPr>
+            <a:spLocks noGrp="1"/>
+          </p:cNvSpPr>
+          <p:nvPr>
+            <p:ph idx="1"/>
+          </p:nvPr>
+        </p:nvSpPr>
+        <p:spPr>
+          <a:xfrm>
+            <a:off x="457200" y="990600"/>
+            <a:ext cx="8229600" cy="5140325"/>
+          </a:xfrm>
+        </p:spPr>
+        <p:txBody>
+          <a:bodyPr/>
+          <a:lstStyle/>
+          <a:p>
+            <a:pPr algn="just">
+              <a:lnSpc>
+                <a:spcPct val="150000"/>
+              </a:lnSpc>
+              <a:buClrTx/>
+              <a:buSzPct val="100000"/>
+              <a:buFont typeface="Wingdings" panose="05000000000000000000" pitchFamily="2" charset="2"/>
+              <a:buChar char="Ø"/>
+            </a:pPr>
+            <a:r>
+              <a:rPr lang="en-US" sz="2000" dirty="0">
+                <a:latin typeface="Times New Roman" panose="02020603050405020304" pitchFamily="18" charset="0"/>
+                <a:cs typeface="Times New Roman" panose="02020603050405020304" pitchFamily="18" charset="0"/>
+              </a:rPr>
+              <a:t>Bibliography 2:</a:t>
+            </a:r>
+          </a:p>
+          <a:p>
+            <a:pPr algn="just">
+              <a:lnSpc>
+                <a:spcPct val="150000"/>
+              </a:lnSpc>
+              <a:buClrTx/>
+              <a:buSzPct val="100000"/>
+              <a:buFont typeface="Wingdings" panose="05000000000000000000" pitchFamily="2" charset="2"/>
+              <a:buChar char="Ø"/>
+            </a:pPr>
+            <a:r>
+              <a:rPr lang="en-US" sz="2000" dirty="0">
+                <a:latin typeface="Times New Roman" panose="02020603050405020304" pitchFamily="18" charset="0"/>
+                <a:cs typeface="Times New Roman" panose="02020603050405020304" pitchFamily="18" charset="0"/>
+              </a:rPr>
+              <a:t>Title: Tourist experience expectations: questionnaire development and text narrative analysis</a:t>
+            </a:r>
+          </a:p>
+          <a:p>
+            <a:pPr algn="just">
+              <a:lnSpc>
+                <a:spcPct val="150000"/>
+              </a:lnSpc>
+              <a:buClrTx/>
+              <a:buSzPct val="100000"/>
+              <a:buFont typeface="Wingdings" panose="05000000000000000000" pitchFamily="2" charset="2"/>
+              <a:buChar char="Ø"/>
+            </a:pPr>
+            <a:r>
+              <a:rPr lang="en-US" sz="2000" dirty="0">
+                <a:latin typeface="Times New Roman" panose="02020603050405020304" pitchFamily="18" charset="0"/>
+                <a:cs typeface="Times New Roman" panose="02020603050405020304" pitchFamily="18" charset="0"/>
+              </a:rPr>
+              <a:t>Authors: Chieh-Wen Sheng and Ming-Chia Chen</a:t>
+            </a:r>
+          </a:p>
+          <a:p>
+            <a:pPr algn="just">
+              <a:lnSpc>
+                <a:spcPct val="150000"/>
+              </a:lnSpc>
+              <a:buClrTx/>
+              <a:buSzPct val="100000"/>
+              <a:buFont typeface="Wingdings" panose="05000000000000000000" pitchFamily="2" charset="2"/>
+              <a:buChar char="Ø"/>
+            </a:pPr>
+            <a:r>
+              <a:rPr lang="en-US" sz="2000" dirty="0">
+                <a:latin typeface="Times New Roman" panose="02020603050405020304" pitchFamily="18" charset="0"/>
+                <a:cs typeface="Times New Roman" panose="02020603050405020304" pitchFamily="18" charset="0"/>
+              </a:rPr>
+              <a:t>Published on: 22 February 2015</a:t>
+            </a:r>
+          </a:p>
+          <a:p>
+            <a:pPr algn="just">
+              <a:lnSpc>
+                <a:spcPct val="150000"/>
+              </a:lnSpc>
+              <a:buClrTx/>
+              <a:buSzPct val="100000"/>
+              <a:buFont typeface="Wingdings" panose="05000000000000000000" pitchFamily="2" charset="2"/>
+              <a:buChar char="Ø"/>
+            </a:pPr>
+            <a:r>
+              <a:rPr lang="en-US" sz="2000" dirty="0">
+                <a:latin typeface="Times New Roman" panose="02020603050405020304" pitchFamily="18" charset="0"/>
+                <a:cs typeface="Times New Roman" panose="02020603050405020304" pitchFamily="18" charset="0"/>
+              </a:rPr>
+              <a:t>In this paper Author presents including various experiences of speciﬁc events or daily life during the trip. </a:t>
+            </a:r>
+          </a:p>
+          <a:p>
+            <a:pPr algn="just">
+              <a:lnSpc>
+                <a:spcPct val="150000"/>
+              </a:lnSpc>
+              <a:buClrTx/>
+              <a:buSzPct val="100000"/>
+              <a:buFont typeface="Wingdings" panose="05000000000000000000" pitchFamily="2" charset="2"/>
+              <a:buChar char="Ø"/>
+            </a:pPr>
+            <a:r>
+              <a:rPr lang="en-US" sz="2000" dirty="0">
+                <a:latin typeface="Times New Roman" panose="02020603050405020304" pitchFamily="18" charset="0"/>
+                <a:cs typeface="Times New Roman" panose="02020603050405020304" pitchFamily="18" charset="0"/>
+              </a:rPr>
+              <a:t>Tourist experience expectations are the output between tourists and tourism systems before the trip. </a:t>
+            </a:r>
+          </a:p>
+          <a:p>
+            <a:endParaRPr lang="en-IN" dirty="0"/>
+          </a:p>
+        </p:txBody>
+      </p:sp>
+    </p:spTree>
+    <p:extLst>
+      <p:ext uri="{BB962C8B-B14F-4D97-AF65-F5344CB8AC3E}">
+        <p14:creationId xmlns:p14="http://schemas.microsoft.com/office/powerpoint/2010/main" val="903347409"/>
+      </p:ext>
+    </p:extLst>
+  </p:cSld>
+  <p:clrMapOvr>
+    <a:masterClrMapping/>
+  </p:clrMapOvr>
+  <mc:AlternateContent xmlns:mc="http://schemas.openxmlformats.org/markup-compatibility/2006" xmlns:p14="http://schemas.microsoft.com/office/powerpoint/2010/main">
+    <mc:Choice Requires="p14">
+      <p:transition spd="slow" p14:dur="1600">
+        <p14:gallery dir="l"/>
+      </p:transition>
+    </mc:Choice>
+    <mc:Fallback xmlns="">
+      <p:transition spd="slow">
+        <p:fade/>
+      </p:transition>
+    </mc:Fallback>
+  </mc:AlternateContent>
+</p:sld>
+</file>
+
+<file path=ppt/slides/slide23.xml><?xml version="1.0" encoding="utf-8"?>
+<p:sld xmlns:a="http://schemas.openxmlformats.org/drawingml/2006/main" xmlns:r="http://schemas.openxmlformats.org/officeDocument/2006/relationships" xmlns:p="http://schemas.openxmlformats.org/presentationml/2006/main">
+  <p:cSld>
+    <p:spTree>
+      <p:nvGrpSpPr>
+        <p:cNvPr id="1" name=""/>
+        <p:cNvGrpSpPr/>
+        <p:nvPr/>
+      </p:nvGrpSpPr>
+      <p:grpSpPr>
+        <a:xfrm>
+          <a:off x="0" y="0"/>
+          <a:ext cx="0" cy="0"/>
+          <a:chOff x="0" y="0"/>
+          <a:chExt cx="0" cy="0"/>
+        </a:xfrm>
+      </p:grpSpPr>
+      <p:sp>
+        <p:nvSpPr>
+          <p:cNvPr id="2" name="Title 1">
+            <a:extLst>
+              <a:ext uri="{FF2B5EF4-FFF2-40B4-BE49-F238E27FC236}">
                 <a16:creationId xmlns:a16="http://schemas.microsoft.com/office/drawing/2014/main" id="{A84F782F-F039-4F9A-96D8-FBBF2A68403B}"/>
               </a:ext>
             </a:extLst>
@@ -8542,7 +8730,7 @@
 </p:sld>
 </file>
 
-<file path=ppt/slides/slide23.xml><?xml version="1.0" encoding="utf-8"?>
+<file path=ppt/slides/slide24.xml><?xml version="1.0" encoding="utf-8"?>
 <p:sld xmlns:a="http://schemas.openxmlformats.org/drawingml/2006/main" xmlns:r="http://schemas.openxmlformats.org/officeDocument/2006/relationships" xmlns:p="http://schemas.openxmlformats.org/presentationml/2006/main">
   <p:cSld>
     <p:spTree>
@@ -8856,7 +9044,7 @@
                 <a:latin typeface="Times New Roman" pitchFamily="18" charset="0"/>
                 <a:cs typeface="Times New Roman" pitchFamily="18" charset="0"/>
               </a:rPr>
-              <a:t>Existing systems</a:t>
+              <a:t>Existing system</a:t>
             </a:r>
             <a:endParaRPr lang="en-IN" sz="4000" b="1" dirty="0"/>
           </a:p>
@@ -9010,7 +9198,7 @@
                 <a:latin typeface="Times New Roman" pitchFamily="18" charset="0"/>
                 <a:cs typeface="Times New Roman" pitchFamily="18" charset="0"/>
               </a:rPr>
-              <a:t>Proposed Systems</a:t>
+              <a:t>Proposed System</a:t>
             </a:r>
             <a:endParaRPr lang="en-IN" sz="4000" b="1" dirty="0"/>
           </a:p>
@@ -9455,7 +9643,7 @@
           <p:cNvPr id="2" name="Title 1">
             <a:extLst>
               <a:ext uri="{FF2B5EF4-FFF2-40B4-BE49-F238E27FC236}">
-                <a16:creationId xmlns:a16="http://schemas.microsoft.com/office/drawing/2014/main" id="{767D07BA-B5DC-4F76-83BC-44C895931511}"/>
+                <a16:creationId xmlns:a16="http://schemas.microsoft.com/office/drawing/2014/main" id="{FE4C7757-AA57-40C5-8CBC-7B6F69252832}"/>
               </a:ext>
             </a:extLst>
           </p:cNvPr>
@@ -9471,19 +9659,10 @@
           <a:bodyPr/>
           <a:lstStyle/>
           <a:p>
-            <a:pPr algn="just">
-              <a:lnSpc>
-                <a:spcPct val="150000"/>
-              </a:lnSpc>
-            </a:pPr>
-            <a:r>
-              <a:rPr lang="en-US" sz="3600" b="1" dirty="0">
-                <a:latin typeface="Times New Roman" pitchFamily="18" charset="0"/>
-                <a:cs typeface="Times New Roman" pitchFamily="18" charset="0"/>
-              </a:rPr>
-              <a:t>Problem Statement</a:t>
-            </a:r>
-            <a:endParaRPr lang="en-IN" sz="3600" b="1" dirty="0"/>
+            <a:r>
+              <a:rPr lang="en-IN" dirty="0"/>
+              <a:t>Technologies Used</a:t>
+            </a:r>
           </a:p>
         </p:txBody>
       </p:sp>
@@ -9492,7 +9671,7 @@
           <p:cNvPr id="3" name="Content Placeholder 2">
             <a:extLst>
               <a:ext uri="{FF2B5EF4-FFF2-40B4-BE49-F238E27FC236}">
-                <a16:creationId xmlns:a16="http://schemas.microsoft.com/office/drawing/2014/main" id="{55D4D141-4324-47AC-8E63-63F177C73C97}"/>
+                <a16:creationId xmlns:a16="http://schemas.microsoft.com/office/drawing/2014/main" id="{3506DCD5-7176-463F-B776-038AA00BD79B}"/>
               </a:ext>
             </a:extLst>
           </p:cNvPr>
@@ -9505,33 +9684,42 @@
         </p:nvSpPr>
         <p:spPr>
           <a:xfrm>
-            <a:off x="457200" y="1124744"/>
-            <a:ext cx="8229600" cy="5006181"/>
+            <a:off x="457200" y="1295400"/>
+            <a:ext cx="8229600" cy="4835525"/>
           </a:xfrm>
         </p:spPr>
         <p:txBody>
           <a:bodyPr/>
           <a:lstStyle/>
           <a:p>
-            <a:pPr marL="0" indent="0" algn="just">
-              <a:lnSpc>
-                <a:spcPct val="150000"/>
-              </a:lnSpc>
-              <a:buNone/>
-            </a:pPr>
-            <a:r>
-              <a:rPr lang="en-US" sz="2400" dirty="0">
+            <a:pPr>
+              <a:buClrTx/>
+              <a:buSzPct val="100000"/>
+              <a:buFont typeface="Wingdings" panose="05000000000000000000" pitchFamily="2" charset="2"/>
+              <a:buChar char="Ø"/>
+            </a:pPr>
+            <a:r>
+              <a:rPr lang="en-US" sz="2000" b="1" dirty="0">
                 <a:latin typeface="Times New Roman" panose="02020603050405020304" pitchFamily="18" charset="0"/>
                 <a:cs typeface="Times New Roman" panose="02020603050405020304" pitchFamily="18" charset="0"/>
               </a:rPr>
-              <a:t>	</a:t>
-            </a:r>
+              <a:t>Software Requirements:</a:t>
+            </a:r>
+            <a:endParaRPr lang="en-IN" sz="2000" dirty="0">
+              <a:latin typeface="Times New Roman" panose="02020603050405020304" pitchFamily="18" charset="0"/>
+              <a:cs typeface="Times New Roman" panose="02020603050405020304" pitchFamily="18" charset="0"/>
+            </a:endParaRPr>
+          </a:p>
+          <a:p>
+            <a:pPr marL="0" lvl="0" indent="0">
+              <a:buNone/>
+            </a:pPr>
             <a:r>
               <a:rPr lang="en-US" sz="2000" dirty="0">
                 <a:latin typeface="Times New Roman" panose="02020603050405020304" pitchFamily="18" charset="0"/>
                 <a:cs typeface="Times New Roman" panose="02020603050405020304" pitchFamily="18" charset="0"/>
               </a:rPr>
-              <a:t>People can collect the information about the tourist places according to their plans what they are going to visit but it is difficult to know the real time experiences. A tourist needs modern technologies which can serves to them, so this android application should be easy to use and efficient to manage the travelling activities. This android application enables the registered traveler to find the other travelers of same interest. The trip people plan the trip and posts pictures. Interested travelers can collaborate and complete the trip.</a:t>
+              <a:t>      Operating System: Windows 10 </a:t>
             </a:r>
             <a:endParaRPr lang="en-IN" sz="2000" dirty="0">
               <a:latin typeface="Times New Roman" panose="02020603050405020304" pitchFamily="18" charset="0"/>
@@ -9539,14 +9727,122 @@
             </a:endParaRPr>
           </a:p>
           <a:p>
-            <a:endParaRPr lang="en-IN" dirty="0"/>
+            <a:pPr marL="0" indent="0">
+              <a:buNone/>
+            </a:pPr>
+            <a:r>
+              <a:rPr lang="en-US" sz="2000" dirty="0">
+                <a:latin typeface="Times New Roman" panose="02020603050405020304" pitchFamily="18" charset="0"/>
+                <a:cs typeface="Times New Roman" panose="02020603050405020304" pitchFamily="18" charset="0"/>
+              </a:rPr>
+              <a:t>      Database: Firebase</a:t>
+            </a:r>
+          </a:p>
+          <a:p>
+            <a:pPr marL="0" lvl="0" indent="0">
+              <a:buNone/>
+            </a:pPr>
+            <a:r>
+              <a:rPr lang="en-US" sz="2000" dirty="0">
+                <a:latin typeface="Times New Roman" panose="02020603050405020304" pitchFamily="18" charset="0"/>
+                <a:cs typeface="Times New Roman" panose="02020603050405020304" pitchFamily="18" charset="0"/>
+              </a:rPr>
+              <a:t>      Programming Languages: Core Java </a:t>
+            </a:r>
+            <a:endParaRPr lang="en-IN" sz="2000" dirty="0">
+              <a:latin typeface="Times New Roman" panose="02020603050405020304" pitchFamily="18" charset="0"/>
+              <a:cs typeface="Times New Roman" panose="02020603050405020304" pitchFamily="18" charset="0"/>
+            </a:endParaRPr>
+          </a:p>
+          <a:p>
+            <a:pPr marL="0" lvl="0" indent="0">
+              <a:buNone/>
+            </a:pPr>
+            <a:r>
+              <a:rPr lang="en-US" sz="2000" dirty="0">
+                <a:latin typeface="Times New Roman" panose="02020603050405020304" pitchFamily="18" charset="0"/>
+                <a:cs typeface="Times New Roman" panose="02020603050405020304" pitchFamily="18" charset="0"/>
+              </a:rPr>
+              <a:t>     Tools: Android Studio 3.5.3</a:t>
+            </a:r>
+            <a:endParaRPr lang="en-IN" sz="2000" dirty="0">
+              <a:latin typeface="Times New Roman" panose="02020603050405020304" pitchFamily="18" charset="0"/>
+              <a:cs typeface="Times New Roman" panose="02020603050405020304" pitchFamily="18" charset="0"/>
+            </a:endParaRPr>
+          </a:p>
+          <a:p>
+            <a:pPr>
+              <a:buClrTx/>
+              <a:buSzPct val="100000"/>
+              <a:buFont typeface="Wingdings" panose="05000000000000000000" pitchFamily="2" charset="2"/>
+              <a:buChar char="Ø"/>
+            </a:pPr>
+            <a:r>
+              <a:rPr lang="en-US" sz="2000" b="1" dirty="0">
+                <a:latin typeface="Times New Roman" panose="02020603050405020304" pitchFamily="18" charset="0"/>
+                <a:cs typeface="Times New Roman" panose="02020603050405020304" pitchFamily="18" charset="0"/>
+              </a:rPr>
+              <a:t>Hardware Requirements: </a:t>
+            </a:r>
+            <a:endParaRPr lang="en-IN" sz="2000" dirty="0">
+              <a:latin typeface="Times New Roman" panose="02020603050405020304" pitchFamily="18" charset="0"/>
+              <a:cs typeface="Times New Roman" panose="02020603050405020304" pitchFamily="18" charset="0"/>
+            </a:endParaRPr>
+          </a:p>
+          <a:p>
+            <a:pPr marL="0" lvl="0" indent="0">
+              <a:buNone/>
+            </a:pPr>
+            <a:r>
+              <a:rPr lang="en-US" sz="2000" dirty="0">
+                <a:latin typeface="Times New Roman" panose="02020603050405020304" pitchFamily="18" charset="0"/>
+                <a:cs typeface="Times New Roman" panose="02020603050405020304" pitchFamily="18" charset="0"/>
+              </a:rPr>
+              <a:t>      Ram size: 4 GB </a:t>
+            </a:r>
+            <a:endParaRPr lang="en-IN" sz="2000" dirty="0">
+              <a:latin typeface="Times New Roman" panose="02020603050405020304" pitchFamily="18" charset="0"/>
+              <a:cs typeface="Times New Roman" panose="02020603050405020304" pitchFamily="18" charset="0"/>
+            </a:endParaRPr>
+          </a:p>
+          <a:p>
+            <a:pPr marL="0" lvl="0" indent="0">
+              <a:buNone/>
+            </a:pPr>
+            <a:r>
+              <a:rPr lang="en-US" sz="2000" dirty="0">
+                <a:latin typeface="Times New Roman" panose="02020603050405020304" pitchFamily="18" charset="0"/>
+                <a:cs typeface="Times New Roman" panose="02020603050405020304" pitchFamily="18" charset="0"/>
+              </a:rPr>
+              <a:t>      Smartphone</a:t>
+            </a:r>
+            <a:endParaRPr lang="en-IN" sz="2000" dirty="0">
+              <a:latin typeface="Times New Roman" panose="02020603050405020304" pitchFamily="18" charset="0"/>
+              <a:cs typeface="Times New Roman" panose="02020603050405020304" pitchFamily="18" charset="0"/>
+            </a:endParaRPr>
+          </a:p>
+          <a:p>
+            <a:pPr marL="0" indent="0">
+              <a:buNone/>
+            </a:pPr>
+            <a:r>
+              <a:rPr lang="en-US" sz="2000" dirty="0">
+                <a:latin typeface="Times New Roman" panose="02020603050405020304" pitchFamily="18" charset="0"/>
+                <a:cs typeface="Times New Roman" panose="02020603050405020304" pitchFamily="18" charset="0"/>
+              </a:rPr>
+              <a:t>      i3 Processor</a:t>
+            </a:r>
+            <a:endParaRPr lang="en-IN" sz="2000" dirty="0">
+              <a:latin typeface="Times New Roman" panose="02020603050405020304" pitchFamily="18" charset="0"/>
+              <a:cs typeface="Times New Roman" panose="02020603050405020304" pitchFamily="18" charset="0"/>
+            </a:endParaRPr>
           </a:p>
         </p:txBody>
       </p:sp>
     </p:spTree>
     <p:extLst>
       <p:ext uri="{BB962C8B-B14F-4D97-AF65-F5344CB8AC3E}">
-        <p14:creationId xmlns:p14="http://schemas.microsoft.com/office/powerpoint/2010/main" val="631027184"/>
+        <p14:creationId xmlns:p14="http://schemas.microsoft.com/office/powerpoint/2010/main" val="305755840"/>
       </p:ext>
     </p:extLst>
   </p:cSld>
@@ -9590,7 +9886,7 @@
           <p:cNvPr id="2" name="Title 1">
             <a:extLst>
               <a:ext uri="{FF2B5EF4-FFF2-40B4-BE49-F238E27FC236}">
-                <a16:creationId xmlns:a16="http://schemas.microsoft.com/office/drawing/2014/main" id="{997F3B4F-8A56-4C60-BC0C-E44F5C4A97A4}"/>
+                <a16:creationId xmlns:a16="http://schemas.microsoft.com/office/drawing/2014/main" id="{767D07BA-B5DC-4F76-83BC-44C895931511}"/>
               </a:ext>
             </a:extLst>
           </p:cNvPr>
@@ -9606,25 +9902,19 @@
           <a:bodyPr/>
           <a:lstStyle/>
           <a:p>
-            <a:pPr>
+            <a:pPr algn="just">
               <a:lnSpc>
                 <a:spcPct val="150000"/>
               </a:lnSpc>
             </a:pPr>
             <a:r>
               <a:rPr lang="en-US" sz="3600" b="1" dirty="0">
-                <a:latin typeface="Times New Roman" panose="02020603050405020304" pitchFamily="18" charset="0"/>
-                <a:cs typeface="Times New Roman" panose="02020603050405020304" pitchFamily="18" charset="0"/>
+                <a:latin typeface="Times New Roman" pitchFamily="18" charset="0"/>
+                <a:cs typeface="Times New Roman" pitchFamily="18" charset="0"/>
               </a:rPr>
-              <a:t>User Module</a:t>
-            </a:r>
-            <a:br>
-              <a:rPr lang="en-IN" b="1" dirty="0"/>
-            </a:br>
-            <a:endParaRPr lang="en-IN" sz="3200" dirty="0">
-              <a:latin typeface="Times New Roman" panose="02020603050405020304" pitchFamily="18" charset="0"/>
-              <a:cs typeface="Times New Roman" panose="02020603050405020304" pitchFamily="18" charset="0"/>
-            </a:endParaRPr>
+              <a:t>Problem Statement</a:t>
+            </a:r>
+            <a:endParaRPr lang="en-IN" sz="3600" b="1" dirty="0"/>
           </a:p>
         </p:txBody>
       </p:sp>
@@ -9633,7 +9923,7 @@
           <p:cNvPr id="3" name="Content Placeholder 2">
             <a:extLst>
               <a:ext uri="{FF2B5EF4-FFF2-40B4-BE49-F238E27FC236}">
-                <a16:creationId xmlns:a16="http://schemas.microsoft.com/office/drawing/2014/main" id="{CAA027CD-B0C7-4A01-828F-B99204B0947C}"/>
+                <a16:creationId xmlns:a16="http://schemas.microsoft.com/office/drawing/2014/main" id="{55D4D141-4324-47AC-8E63-63F177C73C97}"/>
               </a:ext>
             </a:extLst>
           </p:cNvPr>
@@ -9646,8 +9936,8 @@
         </p:nvSpPr>
         <p:spPr>
           <a:xfrm>
-            <a:off x="457200" y="1143000"/>
-            <a:ext cx="8229600" cy="4987925"/>
+            <a:off x="457200" y="1124744"/>
+            <a:ext cx="8229600" cy="5006181"/>
           </a:xfrm>
         </p:spPr>
         <p:txBody>
@@ -9658,8 +9948,6 @@
               <a:lnSpc>
                 <a:spcPct val="150000"/>
               </a:lnSpc>
-              <a:buClrTx/>
-              <a:buSzPct val="100000"/>
               <a:buNone/>
             </a:pPr>
             <a:r>
@@ -9674,24 +9962,7 @@
                 <a:latin typeface="Times New Roman" panose="02020603050405020304" pitchFamily="18" charset="0"/>
                 <a:cs typeface="Times New Roman" panose="02020603050405020304" pitchFamily="18" charset="0"/>
               </a:rPr>
-              <a:t>The user has to create the account or sign in the account. If we have already created the account you can just sign in.</a:t>
-            </a:r>
-          </a:p>
-          <a:p>
-            <a:pPr marL="0" indent="0" algn="just">
-              <a:lnSpc>
-                <a:spcPct val="150000"/>
-              </a:lnSpc>
-              <a:buClrTx/>
-              <a:buSzPct val="100000"/>
-              <a:buNone/>
-            </a:pPr>
-            <a:r>
-              <a:rPr lang="en-US" sz="2000" dirty="0">
-                <a:latin typeface="Times New Roman" panose="02020603050405020304" pitchFamily="18" charset="0"/>
-                <a:cs typeface="Times New Roman" panose="02020603050405020304" pitchFamily="18" charset="0"/>
-              </a:rPr>
-              <a:t>	User can post pictures regarding their travelling experiences and they can make others to travel by posting pictures with the description and this gives a real time experience to the people and they can like, comment and share for the posted pictures and they can also edit their profiles. </a:t>
+              <a:t>People can collect the information about the tourist places according to their plans what they are going to visit but it is difficult to know the real time experiences. A tourist needs modern technologies which can serves to them, so this android application should be easy to use and efficient to manage the travelling activities. This android application enables the registered traveler to find the other travelers of same interest. The trip people plan the trip and posts pictures. Interested travelers can collaborate and complete the trip.</a:t>
             </a:r>
             <a:endParaRPr lang="en-IN" sz="2000" dirty="0">
               <a:latin typeface="Times New Roman" panose="02020603050405020304" pitchFamily="18" charset="0"/>
@@ -9699,28 +9970,6 @@
             </a:endParaRPr>
           </a:p>
           <a:p>
-            <a:pPr marL="0" indent="0" algn="just">
-              <a:lnSpc>
-                <a:spcPct val="150000"/>
-              </a:lnSpc>
-              <a:buNone/>
-            </a:pPr>
-            <a:r>
-              <a:rPr lang="en-US" sz="2400" dirty="0">
-                <a:latin typeface="Times New Roman" panose="02020603050405020304" pitchFamily="18" charset="0"/>
-                <a:cs typeface="Times New Roman" panose="02020603050405020304" pitchFamily="18" charset="0"/>
-              </a:rPr>
-              <a:t> </a:t>
-            </a:r>
-            <a:endParaRPr lang="en-IN" sz="2400" dirty="0">
-              <a:latin typeface="Times New Roman" panose="02020603050405020304" pitchFamily="18" charset="0"/>
-              <a:cs typeface="Times New Roman" panose="02020603050405020304" pitchFamily="18" charset="0"/>
-            </a:endParaRPr>
-          </a:p>
-          <a:p>
-            <a:pPr marL="0" indent="0">
-              <a:buNone/>
-            </a:pPr>
             <a:endParaRPr lang="en-IN" dirty="0"/>
           </a:p>
         </p:txBody>
@@ -9728,7 +9977,7 @@
     </p:spTree>
     <p:extLst>
       <p:ext uri="{BB962C8B-B14F-4D97-AF65-F5344CB8AC3E}">
-        <p14:creationId xmlns:p14="http://schemas.microsoft.com/office/powerpoint/2010/main" val="204860019"/>
+        <p14:creationId xmlns:p14="http://schemas.microsoft.com/office/powerpoint/2010/main" val="631027184"/>
       </p:ext>
     </p:extLst>
   </p:cSld>
@@ -9772,7 +10021,7 @@
           <p:cNvPr id="2" name="Title 1">
             <a:extLst>
               <a:ext uri="{FF2B5EF4-FFF2-40B4-BE49-F238E27FC236}">
-                <a16:creationId xmlns:a16="http://schemas.microsoft.com/office/drawing/2014/main" id="{BBE57A1C-878D-425E-8F7D-92DE728B1549}"/>
+                <a16:creationId xmlns:a16="http://schemas.microsoft.com/office/drawing/2014/main" id="{997F3B4F-8A56-4C60-BC0C-E44F5C4A97A4}"/>
               </a:ext>
             </a:extLst>
           </p:cNvPr>
@@ -9788,23 +10037,22 @@
           <a:bodyPr/>
           <a:lstStyle/>
           <a:p>
-            <a:pPr algn="just">
+            <a:pPr>
               <a:lnSpc>
                 <a:spcPct val="150000"/>
               </a:lnSpc>
             </a:pPr>
-            <a:r>
-              <a:rPr lang="en-US" b="1" dirty="0"/>
-              <a:t> </a:t>
-            </a:r>
             <a:r>
               <a:rPr lang="en-US" sz="3600" b="1" dirty="0">
                 <a:latin typeface="Times New Roman" panose="02020603050405020304" pitchFamily="18" charset="0"/>
                 <a:cs typeface="Times New Roman" panose="02020603050405020304" pitchFamily="18" charset="0"/>
               </a:rPr>
-              <a:t>Server Module</a:t>
-            </a:r>
-            <a:endParaRPr lang="en-IN" sz="3600" dirty="0">
+              <a:t>User Module</a:t>
+            </a:r>
+            <a:br>
+              <a:rPr lang="en-IN" b="1" dirty="0"/>
+            </a:br>
+            <a:endParaRPr lang="en-IN" sz="3200" dirty="0">
               <a:latin typeface="Times New Roman" panose="02020603050405020304" pitchFamily="18" charset="0"/>
               <a:cs typeface="Times New Roman" panose="02020603050405020304" pitchFamily="18" charset="0"/>
             </a:endParaRPr>
@@ -9816,7 +10064,7 @@
           <p:cNvPr id="3" name="Content Placeholder 2">
             <a:extLst>
               <a:ext uri="{FF2B5EF4-FFF2-40B4-BE49-F238E27FC236}">
-                <a16:creationId xmlns:a16="http://schemas.microsoft.com/office/drawing/2014/main" id="{B51821E5-4133-4897-A7E9-36D5FA0293DB}"/>
+                <a16:creationId xmlns:a16="http://schemas.microsoft.com/office/drawing/2014/main" id="{CAA027CD-B0C7-4A01-828F-B99204B0947C}"/>
               </a:ext>
             </a:extLst>
           </p:cNvPr>
@@ -9829,13 +10077,58 @@
         </p:nvSpPr>
         <p:spPr>
           <a:xfrm>
-            <a:off x="458187" y="1417638"/>
-            <a:ext cx="8229600" cy="3667546"/>
+            <a:off x="457200" y="1143000"/>
+            <a:ext cx="8229600" cy="4987925"/>
           </a:xfrm>
         </p:spPr>
         <p:txBody>
           <a:bodyPr/>
           <a:lstStyle/>
+          <a:p>
+            <a:pPr marL="0" indent="0" algn="just">
+              <a:lnSpc>
+                <a:spcPct val="150000"/>
+              </a:lnSpc>
+              <a:buClrTx/>
+              <a:buSzPct val="100000"/>
+              <a:buNone/>
+            </a:pPr>
+            <a:r>
+              <a:rPr lang="en-US" sz="2400" dirty="0">
+                <a:latin typeface="Times New Roman" panose="02020603050405020304" pitchFamily="18" charset="0"/>
+                <a:cs typeface="Times New Roman" panose="02020603050405020304" pitchFamily="18" charset="0"/>
+              </a:rPr>
+              <a:t>	</a:t>
+            </a:r>
+            <a:r>
+              <a:rPr lang="en-US" sz="2000" dirty="0">
+                <a:latin typeface="Times New Roman" panose="02020603050405020304" pitchFamily="18" charset="0"/>
+                <a:cs typeface="Times New Roman" panose="02020603050405020304" pitchFamily="18" charset="0"/>
+              </a:rPr>
+              <a:t>The user has to create the account or sign in the account. If we have already created the account you can just sign in.</a:t>
+            </a:r>
+          </a:p>
+          <a:p>
+            <a:pPr marL="0" indent="0" algn="just">
+              <a:lnSpc>
+                <a:spcPct val="150000"/>
+              </a:lnSpc>
+              <a:buClrTx/>
+              <a:buSzPct val="100000"/>
+              <a:buNone/>
+            </a:pPr>
+            <a:r>
+              <a:rPr lang="en-US" sz="2000" dirty="0">
+                <a:latin typeface="Times New Roman" panose="02020603050405020304" pitchFamily="18" charset="0"/>
+                <a:cs typeface="Times New Roman" panose="02020603050405020304" pitchFamily="18" charset="0"/>
+              </a:rPr>
+              <a:t>	User can post pictures regarding their travelling experiences and they can make others to travel by posting pictures with the description and this gives a real time experience to the people and they can like, comment and share for the posted pictures and they can also edit their profiles. </a:t>
+            </a:r>
+            <a:endParaRPr lang="en-IN" sz="2000" dirty="0">
+              <a:latin typeface="Times New Roman" panose="02020603050405020304" pitchFamily="18" charset="0"/>
+              <a:cs typeface="Times New Roman" panose="02020603050405020304" pitchFamily="18" charset="0"/>
+            </a:endParaRPr>
+          </a:p>
           <a:p>
             <a:pPr marL="0" indent="0" algn="just">
               <a:lnSpc>
@@ -9848,16 +10141,9 @@
                 <a:latin typeface="Times New Roman" panose="02020603050405020304" pitchFamily="18" charset="0"/>
                 <a:cs typeface="Times New Roman" panose="02020603050405020304" pitchFamily="18" charset="0"/>
               </a:rPr>
-              <a:t>	</a:t>
-            </a:r>
-            <a:r>
-              <a:rPr lang="en-US" sz="2000" dirty="0">
-                <a:latin typeface="Times New Roman" panose="02020603050405020304" pitchFamily="18" charset="0"/>
-                <a:cs typeface="Times New Roman" panose="02020603050405020304" pitchFamily="18" charset="0"/>
-              </a:rPr>
-              <a:t>The user has to create an account or sign in the account. Server gives the response to the user with their login information by providing authentication to the user and the data base given by user can be stored in server.  </a:t>
-            </a:r>
-            <a:endParaRPr lang="en-IN" sz="2000" dirty="0">
+              <a:t> </a:t>
+            </a:r>
+            <a:endParaRPr lang="en-IN" sz="2400" dirty="0">
               <a:latin typeface="Times New Roman" panose="02020603050405020304" pitchFamily="18" charset="0"/>
               <a:cs typeface="Times New Roman" panose="02020603050405020304" pitchFamily="18" charset="0"/>
             </a:endParaRPr>
@@ -9873,7 +10159,7 @@
     </p:spTree>
     <p:extLst>
       <p:ext uri="{BB962C8B-B14F-4D97-AF65-F5344CB8AC3E}">
-        <p14:creationId xmlns:p14="http://schemas.microsoft.com/office/powerpoint/2010/main" val="3396116750"/>
+        <p14:creationId xmlns:p14="http://schemas.microsoft.com/office/powerpoint/2010/main" val="204860019"/>
       </p:ext>
     </p:extLst>
   </p:cSld>
@@ -9917,7 +10203,7 @@
           <p:cNvPr id="2" name="Title 1">
             <a:extLst>
               <a:ext uri="{FF2B5EF4-FFF2-40B4-BE49-F238E27FC236}">
-                <a16:creationId xmlns:a16="http://schemas.microsoft.com/office/drawing/2014/main" id="{7897BE02-8457-4981-AD3E-16400270A7A8}"/>
+                <a16:creationId xmlns:a16="http://schemas.microsoft.com/office/drawing/2014/main" id="{BBE57A1C-878D-425E-8F7D-92DE728B1549}"/>
               </a:ext>
             </a:extLst>
           </p:cNvPr>
@@ -9939,12 +10225,20 @@
               </a:lnSpc>
             </a:pPr>
             <a:r>
-              <a:rPr lang="en-IN" sz="3600" b="1" dirty="0">
+              <a:rPr lang="en-US" b="1" dirty="0"/>
+              <a:t> </a:t>
+            </a:r>
+            <a:r>
+              <a:rPr lang="en-US" sz="3600" b="1" dirty="0">
                 <a:latin typeface="Times New Roman" panose="02020603050405020304" pitchFamily="18" charset="0"/>
                 <a:cs typeface="Times New Roman" panose="02020603050405020304" pitchFamily="18" charset="0"/>
               </a:rPr>
-              <a:t>Welcome Page </a:t>
-            </a:r>
+              <a:t>Server Module</a:t>
+            </a:r>
+            <a:endParaRPr lang="en-IN" sz="3600" dirty="0">
+              <a:latin typeface="Times New Roman" panose="02020603050405020304" pitchFamily="18" charset="0"/>
+              <a:cs typeface="Times New Roman" panose="02020603050405020304" pitchFamily="18" charset="0"/>
+            </a:endParaRPr>
           </a:p>
         </p:txBody>
       </p:sp>
@@ -9953,7 +10247,7 @@
           <p:cNvPr id="3" name="Content Placeholder 2">
             <a:extLst>
               <a:ext uri="{FF2B5EF4-FFF2-40B4-BE49-F238E27FC236}">
-                <a16:creationId xmlns:a16="http://schemas.microsoft.com/office/drawing/2014/main" id="{C762D785-F496-4438-9257-7C8126B2B817}"/>
+                <a16:creationId xmlns:a16="http://schemas.microsoft.com/office/drawing/2014/main" id="{B51821E5-4133-4897-A7E9-36D5FA0293DB}"/>
               </a:ext>
             </a:extLst>
           </p:cNvPr>
@@ -9966,8 +10260,8 @@
         </p:nvSpPr>
         <p:spPr>
           <a:xfrm>
-            <a:off x="457200" y="1268760"/>
-            <a:ext cx="8229600" cy="4862165"/>
+            <a:off x="458187" y="1417638"/>
+            <a:ext cx="8229600" cy="3667546"/>
           </a:xfrm>
         </p:spPr>
         <p:txBody>
@@ -9981,67 +10275,36 @@
               <a:buNone/>
             </a:pPr>
             <a:r>
-              <a:rPr lang="en-IN" sz="2400" dirty="0">
+              <a:rPr lang="en-US" sz="2400" dirty="0">
                 <a:latin typeface="Times New Roman" panose="02020603050405020304" pitchFamily="18" charset="0"/>
                 <a:cs typeface="Times New Roman" panose="02020603050405020304" pitchFamily="18" charset="0"/>
               </a:rPr>
-              <a:t>Welcome Page for Travel Diaries application.</a:t>
-            </a:r>
-          </a:p>
-          <a:p>
-            <a:pPr marL="0" indent="0" algn="just">
-              <a:lnSpc>
-                <a:spcPct val="150000"/>
-              </a:lnSpc>
-              <a:buNone/>
-            </a:pPr>
-            <a:endParaRPr lang="en-IN" sz="2400" dirty="0">
+              <a:t>	</a:t>
+            </a:r>
+            <a:r>
+              <a:rPr lang="en-US" sz="2000" dirty="0">
+                <a:latin typeface="Times New Roman" panose="02020603050405020304" pitchFamily="18" charset="0"/>
+                <a:cs typeface="Times New Roman" panose="02020603050405020304" pitchFamily="18" charset="0"/>
+              </a:rPr>
+              <a:t>The user has to create an account or sign in the account. Server gives the response to the user with their login information by providing authentication to the user and the data base given by user can be stored in server.  </a:t>
+            </a:r>
+            <a:endParaRPr lang="en-IN" sz="2000" dirty="0">
               <a:latin typeface="Times New Roman" panose="02020603050405020304" pitchFamily="18" charset="0"/>
               <a:cs typeface="Times New Roman" panose="02020603050405020304" pitchFamily="18" charset="0"/>
             </a:endParaRPr>
           </a:p>
-        </p:txBody>
-      </p:sp>
-      <p:pic>
-        <p:nvPicPr>
-          <p:cNvPr id="6" name="Picture 5">
-            <a:extLst>
-              <a:ext uri="{FF2B5EF4-FFF2-40B4-BE49-F238E27FC236}">
-                <a16:creationId xmlns:a16="http://schemas.microsoft.com/office/drawing/2014/main" id="{C36AD396-E6F0-4C5F-B4C4-3B8B5272EC3B}"/>
-              </a:ext>
-            </a:extLst>
-          </p:cNvPr>
-          <p:cNvPicPr>
-            <a:picLocks noChangeAspect="1"/>
-          </p:cNvPicPr>
-          <p:nvPr/>
-        </p:nvPicPr>
-        <p:blipFill>
-          <a:blip r:embed="rId2">
-            <a:extLst>
-              <a:ext uri="{28A0092B-C50C-407E-A947-70E740481C1C}">
-                <a14:useLocalDpi xmlns:a14="http://schemas.microsoft.com/office/drawing/2010/main" val="0"/>
-              </a:ext>
-            </a:extLst>
-          </a:blip>
-          <a:stretch>
-            <a:fillRect/>
-          </a:stretch>
-        </p:blipFill>
-        <p:spPr>
-          <a:xfrm>
-            <a:off x="2743200" y="2286000"/>
-            <a:ext cx="3248526" cy="3733800"/>
-          </a:xfrm>
-          <a:prstGeom prst="rect">
-            <a:avLst/>
-          </a:prstGeom>
-        </p:spPr>
-      </p:pic>
+          <a:p>
+            <a:pPr marL="0" indent="0">
+              <a:buNone/>
+            </a:pPr>
+            <a:endParaRPr lang="en-IN" dirty="0"/>
+          </a:p>
+        </p:txBody>
+      </p:sp>
     </p:spTree>
     <p:extLst>
       <p:ext uri="{BB962C8B-B14F-4D97-AF65-F5344CB8AC3E}">
-        <p14:creationId xmlns:p14="http://schemas.microsoft.com/office/powerpoint/2010/main" val="249590595"/>
+        <p14:creationId xmlns:p14="http://schemas.microsoft.com/office/powerpoint/2010/main" val="3396116750"/>
       </p:ext>
     </p:extLst>
   </p:cSld>
